--- a/documentations/ASR pour le Yemba.pptx
+++ b/documentations/ASR pour le Yemba.pptx
@@ -8307,7 +8307,7 @@
           <a:noFill/>
           <a:extLst>
             <a:ext uri="{909E8E84-426E-40dd-AFC4-6F175D3DCCD1}">
-              <a14:hiddenFill xmlns="" xmlns:a14="http://schemas.microsoft.com/office/drawing/2010/main">
+              <a14:hiddenFill xmlns:a14="http://schemas.microsoft.com/office/drawing/2010/main" xmlns="">
                 <a:solidFill>
                   <a:srgbClr val="FFFFFF"/>
                 </a:solidFill>
@@ -8366,7 +8366,7 @@
             </a:ln>
             <a:extLst>
               <a:ext uri="{91240B29-F687-4f45-9708-019B960494DF}">
-                <a14:hiddenLine xmlns="" xmlns:a14="http://schemas.microsoft.com/office/drawing/2010/main" w="9525">
+                <a14:hiddenLine xmlns:a14="http://schemas.microsoft.com/office/drawing/2010/main" xmlns="" w="9525">
                   <a:solidFill>
                     <a:srgbClr val="000000"/>
                   </a:solidFill>
@@ -8456,7 +8456,7 @@
             </a:ln>
             <a:extLst>
               <a:ext uri="{91240B29-F687-4f45-9708-019B960494DF}">
-                <a14:hiddenLine xmlns="" xmlns:a14="http://schemas.microsoft.com/office/drawing/2010/main" w="9525">
+                <a14:hiddenLine xmlns:a14="http://schemas.microsoft.com/office/drawing/2010/main" xmlns="" w="9525">
                   <a:solidFill>
                     <a:srgbClr val="000000"/>
                   </a:solidFill>
@@ -8546,7 +8546,7 @@
             </a:ln>
             <a:extLst>
               <a:ext uri="{91240B29-F687-4f45-9708-019B960494DF}">
-                <a14:hiddenLine xmlns="" xmlns:a14="http://schemas.microsoft.com/office/drawing/2010/main" w="9525">
+                <a14:hiddenLine xmlns:a14="http://schemas.microsoft.com/office/drawing/2010/main" xmlns="" w="9525">
                   <a:solidFill>
                     <a:srgbClr val="000000"/>
                   </a:solidFill>
@@ -8580,7 +8580,7 @@
             </a:ln>
             <a:extLst>
               <a:ext uri="{91240B29-F687-4f45-9708-019B960494DF}">
-                <a14:hiddenLine xmlns="" xmlns:a14="http://schemas.microsoft.com/office/drawing/2010/main" w="9525">
+                <a14:hiddenLine xmlns:a14="http://schemas.microsoft.com/office/drawing/2010/main" xmlns="" w="9525">
                   <a:solidFill>
                     <a:srgbClr val="000000"/>
                   </a:solidFill>
@@ -8670,7 +8670,7 @@
             </a:ln>
             <a:extLst>
               <a:ext uri="{91240B29-F687-4f45-9708-019B960494DF}">
-                <a14:hiddenLine xmlns="" xmlns:a14="http://schemas.microsoft.com/office/drawing/2010/main" w="9525">
+                <a14:hiddenLine xmlns:a14="http://schemas.microsoft.com/office/drawing/2010/main" xmlns="" w="9525">
                   <a:solidFill>
                     <a:srgbClr val="000000"/>
                   </a:solidFill>
@@ -8732,7 +8732,7 @@
             </a:ln>
             <a:extLst>
               <a:ext uri="{91240B29-F687-4f45-9708-019B960494DF}">
-                <a14:hiddenLine xmlns="" xmlns:a14="http://schemas.microsoft.com/office/drawing/2010/main" w="9525">
+                <a14:hiddenLine xmlns:a14="http://schemas.microsoft.com/office/drawing/2010/main" xmlns="" w="9525">
                   <a:solidFill>
                     <a:srgbClr val="000000"/>
                   </a:solidFill>
@@ -8794,7 +8794,7 @@
             </a:ln>
             <a:extLst>
               <a:ext uri="{91240B29-F687-4f45-9708-019B960494DF}">
-                <a14:hiddenLine xmlns="" xmlns:a14="http://schemas.microsoft.com/office/drawing/2010/main" w="9525">
+                <a14:hiddenLine xmlns:a14="http://schemas.microsoft.com/office/drawing/2010/main" xmlns="" w="9525">
                   <a:solidFill>
                     <a:srgbClr val="000000"/>
                   </a:solidFill>
@@ -8884,7 +8884,7 @@
             </a:ln>
             <a:extLst>
               <a:ext uri="{91240B29-F687-4f45-9708-019B960494DF}">
-                <a14:hiddenLine xmlns="" xmlns:a14="http://schemas.microsoft.com/office/drawing/2010/main" w="9525">
+                <a14:hiddenLine xmlns:a14="http://schemas.microsoft.com/office/drawing/2010/main" xmlns="" w="9525">
                   <a:solidFill>
                     <a:srgbClr val="000000"/>
                   </a:solidFill>
@@ -8946,7 +8946,7 @@
             </a:ln>
             <a:extLst>
               <a:ext uri="{91240B29-F687-4f45-9708-019B960494DF}">
-                <a14:hiddenLine xmlns="" xmlns:a14="http://schemas.microsoft.com/office/drawing/2010/main" w="9525">
+                <a14:hiddenLine xmlns:a14="http://schemas.microsoft.com/office/drawing/2010/main" xmlns="" w="9525">
                   <a:solidFill>
                     <a:srgbClr val="000000"/>
                   </a:solidFill>
@@ -9008,7 +9008,7 @@
             </a:ln>
             <a:extLst>
               <a:ext uri="{91240B29-F687-4f45-9708-019B960494DF}">
-                <a14:hiddenLine xmlns="" xmlns:a14="http://schemas.microsoft.com/office/drawing/2010/main" w="9525">
+                <a14:hiddenLine xmlns:a14="http://schemas.microsoft.com/office/drawing/2010/main" xmlns="" w="9525">
                   <a:solidFill>
                     <a:srgbClr val="000000"/>
                   </a:solidFill>
@@ -9098,7 +9098,7 @@
             </a:ln>
             <a:extLst>
               <a:ext uri="{91240B29-F687-4f45-9708-019B960494DF}">
-                <a14:hiddenLine xmlns="" xmlns:a14="http://schemas.microsoft.com/office/drawing/2010/main" w="9525">
+                <a14:hiddenLine xmlns:a14="http://schemas.microsoft.com/office/drawing/2010/main" xmlns="" w="9525">
                   <a:solidFill>
                     <a:srgbClr val="000000"/>
                   </a:solidFill>
@@ -9188,7 +9188,7 @@
             </a:ln>
             <a:extLst>
               <a:ext uri="{91240B29-F687-4f45-9708-019B960494DF}">
-                <a14:hiddenLine xmlns="" xmlns:a14="http://schemas.microsoft.com/office/drawing/2010/main" w="9525">
+                <a14:hiddenLine xmlns:a14="http://schemas.microsoft.com/office/drawing/2010/main" xmlns="" w="9525">
                   <a:solidFill>
                     <a:srgbClr val="000000"/>
                   </a:solidFill>
@@ -9250,7 +9250,7 @@
             </a:ln>
             <a:extLst>
               <a:ext uri="{91240B29-F687-4f45-9708-019B960494DF}">
-                <a14:hiddenLine xmlns="" xmlns:a14="http://schemas.microsoft.com/office/drawing/2010/main" w="9525">
+                <a14:hiddenLine xmlns:a14="http://schemas.microsoft.com/office/drawing/2010/main" xmlns="" w="9525">
                   <a:solidFill>
                     <a:srgbClr val="000000"/>
                   </a:solidFill>
@@ -9360,7 +9360,7 @@
             </a:ln>
             <a:extLst>
               <a:ext uri="{91240B29-F687-4f45-9708-019B960494DF}">
-                <a14:hiddenLine xmlns="" xmlns:a14="http://schemas.microsoft.com/office/drawing/2010/main" w="9525">
+                <a14:hiddenLine xmlns:a14="http://schemas.microsoft.com/office/drawing/2010/main" xmlns="" w="9525">
                   <a:solidFill>
                     <a:srgbClr val="000000"/>
                   </a:solidFill>
@@ -9422,7 +9422,7 @@
             </a:ln>
             <a:extLst>
               <a:ext uri="{91240B29-F687-4f45-9708-019B960494DF}">
-                <a14:hiddenLine xmlns="" xmlns:a14="http://schemas.microsoft.com/office/drawing/2010/main" w="9525">
+                <a14:hiddenLine xmlns:a14="http://schemas.microsoft.com/office/drawing/2010/main" xmlns="" w="9525">
                   <a:solidFill>
                     <a:srgbClr val="000000"/>
                   </a:solidFill>
@@ -9512,7 +9512,7 @@
             </a:ln>
             <a:extLst>
               <a:ext uri="{91240B29-F687-4f45-9708-019B960494DF}">
-                <a14:hiddenLine xmlns="" xmlns:a14="http://schemas.microsoft.com/office/drawing/2010/main" w="9525">
+                <a14:hiddenLine xmlns:a14="http://schemas.microsoft.com/office/drawing/2010/main" xmlns="" w="9525">
                   <a:solidFill>
                     <a:srgbClr val="000000"/>
                   </a:solidFill>
@@ -9602,7 +9602,7 @@
             </a:ln>
             <a:extLst>
               <a:ext uri="{91240B29-F687-4f45-9708-019B960494DF}">
-                <a14:hiddenLine xmlns="" xmlns:a14="http://schemas.microsoft.com/office/drawing/2010/main" w="9525">
+                <a14:hiddenLine xmlns:a14="http://schemas.microsoft.com/office/drawing/2010/main" xmlns="" w="9525">
                   <a:solidFill>
                     <a:srgbClr val="000000"/>
                   </a:solidFill>
@@ -9664,7 +9664,7 @@
             </a:ln>
             <a:extLst>
               <a:ext uri="{91240B29-F687-4f45-9708-019B960494DF}">
-                <a14:hiddenLine xmlns="" xmlns:a14="http://schemas.microsoft.com/office/drawing/2010/main" w="9525">
+                <a14:hiddenLine xmlns:a14="http://schemas.microsoft.com/office/drawing/2010/main" xmlns="" w="9525">
                   <a:solidFill>
                     <a:srgbClr val="000000"/>
                   </a:solidFill>
@@ -9754,7 +9754,7 @@
             </a:ln>
             <a:extLst>
               <a:ext uri="{91240B29-F687-4f45-9708-019B960494DF}">
-                <a14:hiddenLine xmlns="" xmlns:a14="http://schemas.microsoft.com/office/drawing/2010/main" w="9525">
+                <a14:hiddenLine xmlns:a14="http://schemas.microsoft.com/office/drawing/2010/main" xmlns="" w="9525">
                   <a:solidFill>
                     <a:srgbClr val="000000"/>
                   </a:solidFill>
@@ -9844,7 +9844,7 @@
             </a:ln>
             <a:extLst>
               <a:ext uri="{91240B29-F687-4f45-9708-019B960494DF}">
-                <a14:hiddenLine xmlns="" xmlns:a14="http://schemas.microsoft.com/office/drawing/2010/main" w="9525">
+                <a14:hiddenLine xmlns:a14="http://schemas.microsoft.com/office/drawing/2010/main" xmlns="" w="9525">
                   <a:solidFill>
                     <a:srgbClr val="000000"/>
                   </a:solidFill>
@@ -9900,7 +9900,7 @@
             </a:ln>
             <a:extLst>
               <a:ext uri="{91240B29-F687-4f45-9708-019B960494DF}">
-                <a14:hiddenLine xmlns="" xmlns:a14="http://schemas.microsoft.com/office/drawing/2010/main" w="9525">
+                <a14:hiddenLine xmlns:a14="http://schemas.microsoft.com/office/drawing/2010/main" xmlns="" w="9525">
                   <a:solidFill>
                     <a:srgbClr val="000000"/>
                   </a:solidFill>
@@ -9990,7 +9990,7 @@
             </a:ln>
             <a:extLst>
               <a:ext uri="{91240B29-F687-4f45-9708-019B960494DF}">
-                <a14:hiddenLine xmlns="" xmlns:a14="http://schemas.microsoft.com/office/drawing/2010/main" w="9525">
+                <a14:hiddenLine xmlns:a14="http://schemas.microsoft.com/office/drawing/2010/main" xmlns="" w="9525">
                   <a:solidFill>
                     <a:srgbClr val="000000"/>
                   </a:solidFill>
@@ -10046,7 +10046,7 @@
             </a:ln>
             <a:extLst>
               <a:ext uri="{91240B29-F687-4f45-9708-019B960494DF}">
-                <a14:hiddenLine xmlns="" xmlns:a14="http://schemas.microsoft.com/office/drawing/2010/main" w="9525">
+                <a14:hiddenLine xmlns:a14="http://schemas.microsoft.com/office/drawing/2010/main" xmlns="" w="9525">
                   <a:solidFill>
                     <a:srgbClr val="000000"/>
                   </a:solidFill>
@@ -10136,7 +10136,7 @@
             </a:ln>
             <a:extLst>
               <a:ext uri="{91240B29-F687-4f45-9708-019B960494DF}">
-                <a14:hiddenLine xmlns="" xmlns:a14="http://schemas.microsoft.com/office/drawing/2010/main" w="9525">
+                <a14:hiddenLine xmlns:a14="http://schemas.microsoft.com/office/drawing/2010/main" xmlns="" w="9525">
                   <a:solidFill>
                     <a:srgbClr val="000000"/>
                   </a:solidFill>
@@ -10204,7 +10204,7 @@
             </a:ln>
             <a:extLst>
               <a:ext uri="{91240B29-F687-4f45-9708-019B960494DF}">
-                <a14:hiddenLine xmlns="" xmlns:a14="http://schemas.microsoft.com/office/drawing/2010/main" w="9525">
+                <a14:hiddenLine xmlns:a14="http://schemas.microsoft.com/office/drawing/2010/main" xmlns="" w="9525">
                   <a:solidFill>
                     <a:srgbClr val="000000"/>
                   </a:solidFill>
@@ -10294,7 +10294,7 @@
             </a:ln>
             <a:extLst>
               <a:ext uri="{91240B29-F687-4f45-9708-019B960494DF}">
-                <a14:hiddenLine xmlns="" xmlns:a14="http://schemas.microsoft.com/office/drawing/2010/main" w="9525">
+                <a14:hiddenLine xmlns:a14="http://schemas.microsoft.com/office/drawing/2010/main" xmlns="" w="9525">
                   <a:solidFill>
                     <a:srgbClr val="000000"/>
                   </a:solidFill>
@@ -10362,7 +10362,7 @@
             </a:ln>
             <a:extLst>
               <a:ext uri="{91240B29-F687-4f45-9708-019B960494DF}">
-                <a14:hiddenLine xmlns="" xmlns:a14="http://schemas.microsoft.com/office/drawing/2010/main" w="9525">
+                <a14:hiddenLine xmlns:a14="http://schemas.microsoft.com/office/drawing/2010/main" xmlns="" w="9525">
                   <a:solidFill>
                     <a:srgbClr val="000000"/>
                   </a:solidFill>
@@ -10452,7 +10452,7 @@
             </a:ln>
             <a:extLst>
               <a:ext uri="{91240B29-F687-4f45-9708-019B960494DF}">
-                <a14:hiddenLine xmlns="" xmlns:a14="http://schemas.microsoft.com/office/drawing/2010/main" w="9525">
+                <a14:hiddenLine xmlns:a14="http://schemas.microsoft.com/office/drawing/2010/main" xmlns="" w="9525">
                   <a:solidFill>
                     <a:srgbClr val="000000"/>
                   </a:solidFill>
@@ -10486,7 +10486,7 @@
             </a:ln>
             <a:extLst>
               <a:ext uri="{91240B29-F687-4f45-9708-019B960494DF}">
-                <a14:hiddenLine xmlns="" xmlns:a14="http://schemas.microsoft.com/office/drawing/2010/main" w="9525">
+                <a14:hiddenLine xmlns:a14="http://schemas.microsoft.com/office/drawing/2010/main" xmlns="" w="9525">
                   <a:solidFill>
                     <a:srgbClr val="000000"/>
                   </a:solidFill>
@@ -10576,7 +10576,7 @@
             </a:ln>
             <a:extLst>
               <a:ext uri="{91240B29-F687-4f45-9708-019B960494DF}">
-                <a14:hiddenLine xmlns="" xmlns:a14="http://schemas.microsoft.com/office/drawing/2010/main" w="9525">
+                <a14:hiddenLine xmlns:a14="http://schemas.microsoft.com/office/drawing/2010/main" xmlns="" w="9525">
                   <a:solidFill>
                     <a:srgbClr val="000000"/>
                   </a:solidFill>
@@ -10638,7 +10638,7 @@
             </a:ln>
             <a:extLst>
               <a:ext uri="{91240B29-F687-4f45-9708-019B960494DF}">
-                <a14:hiddenLine xmlns="" xmlns:a14="http://schemas.microsoft.com/office/drawing/2010/main" w="9525">
+                <a14:hiddenLine xmlns:a14="http://schemas.microsoft.com/office/drawing/2010/main" xmlns="" w="9525">
                   <a:solidFill>
                     <a:srgbClr val="000000"/>
                   </a:solidFill>
@@ -10700,7 +10700,7 @@
             </a:ln>
             <a:extLst>
               <a:ext uri="{91240B29-F687-4f45-9708-019B960494DF}">
-                <a14:hiddenLine xmlns="" xmlns:a14="http://schemas.microsoft.com/office/drawing/2010/main" w="9525">
+                <a14:hiddenLine xmlns:a14="http://schemas.microsoft.com/office/drawing/2010/main" xmlns="" w="9525">
                   <a:solidFill>
                     <a:srgbClr val="000000"/>
                   </a:solidFill>
@@ -10790,7 +10790,7 @@
             </a:ln>
             <a:extLst>
               <a:ext uri="{91240B29-F687-4f45-9708-019B960494DF}">
-                <a14:hiddenLine xmlns="" xmlns:a14="http://schemas.microsoft.com/office/drawing/2010/main" w="9525">
+                <a14:hiddenLine xmlns:a14="http://schemas.microsoft.com/office/drawing/2010/main" xmlns="" w="9525">
                   <a:solidFill>
                     <a:srgbClr val="000000"/>
                   </a:solidFill>
@@ -10858,7 +10858,7 @@
             </a:ln>
             <a:extLst>
               <a:ext uri="{91240B29-F687-4f45-9708-019B960494DF}">
-                <a14:hiddenLine xmlns="" xmlns:a14="http://schemas.microsoft.com/office/drawing/2010/main" w="9525">
+                <a14:hiddenLine xmlns:a14="http://schemas.microsoft.com/office/drawing/2010/main" xmlns="" w="9525">
                   <a:solidFill>
                     <a:srgbClr val="000000"/>
                   </a:solidFill>
@@ -10920,7 +10920,7 @@
             </a:ln>
             <a:extLst>
               <a:ext uri="{91240B29-F687-4f45-9708-019B960494DF}">
-                <a14:hiddenLine xmlns="" xmlns:a14="http://schemas.microsoft.com/office/drawing/2010/main" w="9525">
+                <a14:hiddenLine xmlns:a14="http://schemas.microsoft.com/office/drawing/2010/main" xmlns="" w="9525">
                   <a:solidFill>
                     <a:srgbClr val="000000"/>
                   </a:solidFill>
@@ -11010,7 +11010,7 @@
             </a:ln>
             <a:extLst>
               <a:ext uri="{91240B29-F687-4f45-9708-019B960494DF}">
-                <a14:hiddenLine xmlns="" xmlns:a14="http://schemas.microsoft.com/office/drawing/2010/main" w="9525">
+                <a14:hiddenLine xmlns:a14="http://schemas.microsoft.com/office/drawing/2010/main" xmlns="" w="9525">
                   <a:solidFill>
                     <a:srgbClr val="000000"/>
                   </a:solidFill>
@@ -11072,7 +11072,7 @@
             </a:ln>
             <a:extLst>
               <a:ext uri="{91240B29-F687-4f45-9708-019B960494DF}">
-                <a14:hiddenLine xmlns="" xmlns:a14="http://schemas.microsoft.com/office/drawing/2010/main" w="9525">
+                <a14:hiddenLine xmlns:a14="http://schemas.microsoft.com/office/drawing/2010/main" xmlns="" w="9525">
                   <a:solidFill>
                     <a:srgbClr val="000000"/>
                   </a:solidFill>
@@ -11162,7 +11162,7 @@
             </a:ln>
             <a:extLst>
               <a:ext uri="{91240B29-F687-4f45-9708-019B960494DF}">
-                <a14:hiddenLine xmlns="" xmlns:a14="http://schemas.microsoft.com/office/drawing/2010/main" w="9525">
+                <a14:hiddenLine xmlns:a14="http://schemas.microsoft.com/office/drawing/2010/main" xmlns="" w="9525">
                   <a:solidFill>
                     <a:srgbClr val="000000"/>
                   </a:solidFill>
@@ -11224,7 +11224,7 @@
             </a:ln>
             <a:extLst>
               <a:ext uri="{91240B29-F687-4f45-9708-019B960494DF}">
-                <a14:hiddenLine xmlns="" xmlns:a14="http://schemas.microsoft.com/office/drawing/2010/main" w="9525">
+                <a14:hiddenLine xmlns:a14="http://schemas.microsoft.com/office/drawing/2010/main" xmlns="" w="9525">
                   <a:solidFill>
                     <a:srgbClr val="000000"/>
                   </a:solidFill>
@@ -11314,7 +11314,7 @@
             </a:ln>
             <a:extLst>
               <a:ext uri="{91240B29-F687-4f45-9708-019B960494DF}">
-                <a14:hiddenLine xmlns="" xmlns:a14="http://schemas.microsoft.com/office/drawing/2010/main" w="9525">
+                <a14:hiddenLine xmlns:a14="http://schemas.microsoft.com/office/drawing/2010/main" xmlns="" w="9525">
                   <a:solidFill>
                     <a:srgbClr val="000000"/>
                   </a:solidFill>
@@ -11348,7 +11348,7 @@
             </a:ln>
             <a:extLst>
               <a:ext uri="{91240B29-F687-4f45-9708-019B960494DF}">
-                <a14:hiddenLine xmlns="" xmlns:a14="http://schemas.microsoft.com/office/drawing/2010/main" w="9525">
+                <a14:hiddenLine xmlns:a14="http://schemas.microsoft.com/office/drawing/2010/main" xmlns="" w="9525">
                   <a:solidFill>
                     <a:srgbClr val="000000"/>
                   </a:solidFill>
@@ -11413,7 +11413,7 @@
             </a:ln>
             <a:extLst>
               <a:ext uri="{91240B29-F687-4f45-9708-019B960494DF}">
-                <a14:hiddenLine xmlns="" xmlns:a14="http://schemas.microsoft.com/office/drawing/2010/main" w="9525">
+                <a14:hiddenLine xmlns:a14="http://schemas.microsoft.com/office/drawing/2010/main" xmlns="" w="9525">
                   <a:solidFill>
                     <a:srgbClr val="000000"/>
                   </a:solidFill>
@@ -11503,7 +11503,7 @@
             </a:ln>
             <a:extLst>
               <a:ext uri="{91240B29-F687-4f45-9708-019B960494DF}">
-                <a14:hiddenLine xmlns="" xmlns:a14="http://schemas.microsoft.com/office/drawing/2010/main" w="9525">
+                <a14:hiddenLine xmlns:a14="http://schemas.microsoft.com/office/drawing/2010/main" xmlns="" w="9525">
                   <a:solidFill>
                     <a:srgbClr val="000000"/>
                   </a:solidFill>
@@ -11565,7 +11565,7 @@
             </a:ln>
             <a:extLst>
               <a:ext uri="{91240B29-F687-4f45-9708-019B960494DF}">
-                <a14:hiddenLine xmlns="" xmlns:a14="http://schemas.microsoft.com/office/drawing/2010/main" w="9525">
+                <a14:hiddenLine xmlns:a14="http://schemas.microsoft.com/office/drawing/2010/main" xmlns="" w="9525">
                   <a:solidFill>
                     <a:srgbClr val="000000"/>
                   </a:solidFill>
@@ -11655,7 +11655,7 @@
             </a:ln>
             <a:extLst>
               <a:ext uri="{91240B29-F687-4f45-9708-019B960494DF}">
-                <a14:hiddenLine xmlns="" xmlns:a14="http://schemas.microsoft.com/office/drawing/2010/main" w="9525">
+                <a14:hiddenLine xmlns:a14="http://schemas.microsoft.com/office/drawing/2010/main" xmlns="" w="9525">
                   <a:solidFill>
                     <a:srgbClr val="000000"/>
                   </a:solidFill>
@@ -11745,7 +11745,7 @@
             </a:ln>
             <a:extLst>
               <a:ext uri="{91240B29-F687-4f45-9708-019B960494DF}">
-                <a14:hiddenLine xmlns="" xmlns:a14="http://schemas.microsoft.com/office/drawing/2010/main" w="9525">
+                <a14:hiddenLine xmlns:a14="http://schemas.microsoft.com/office/drawing/2010/main" xmlns="" w="9525">
                   <a:solidFill>
                     <a:srgbClr val="000000"/>
                   </a:solidFill>
@@ -11810,7 +11810,7 @@
             </a:ln>
             <a:extLst>
               <a:ext uri="{91240B29-F687-4f45-9708-019B960494DF}">
-                <a14:hiddenLine xmlns="" xmlns:a14="http://schemas.microsoft.com/office/drawing/2010/main" w="9525">
+                <a14:hiddenLine xmlns:a14="http://schemas.microsoft.com/office/drawing/2010/main" xmlns="" w="9525">
                   <a:solidFill>
                     <a:srgbClr val="000000"/>
                   </a:solidFill>
@@ -11872,7 +11872,7 @@
             </a:ln>
             <a:extLst>
               <a:ext uri="{91240B29-F687-4f45-9708-019B960494DF}">
-                <a14:hiddenLine xmlns="" xmlns:a14="http://schemas.microsoft.com/office/drawing/2010/main" w="9525">
+                <a14:hiddenLine xmlns:a14="http://schemas.microsoft.com/office/drawing/2010/main" xmlns="" w="9525">
                   <a:solidFill>
                     <a:srgbClr val="000000"/>
                   </a:solidFill>
@@ -11962,7 +11962,7 @@
             </a:ln>
             <a:extLst>
               <a:ext uri="{91240B29-F687-4f45-9708-019B960494DF}">
-                <a14:hiddenLine xmlns="" xmlns:a14="http://schemas.microsoft.com/office/drawing/2010/main" w="9525">
+                <a14:hiddenLine xmlns:a14="http://schemas.microsoft.com/office/drawing/2010/main" xmlns="" w="9525">
                   <a:solidFill>
                     <a:srgbClr val="000000"/>
                   </a:solidFill>
@@ -12052,7 +12052,7 @@
             </a:ln>
             <a:extLst>
               <a:ext uri="{91240B29-F687-4f45-9708-019B960494DF}">
-                <a14:hiddenLine xmlns="" xmlns:a14="http://schemas.microsoft.com/office/drawing/2010/main" w="9525">
+                <a14:hiddenLine xmlns:a14="http://schemas.microsoft.com/office/drawing/2010/main" xmlns="" w="9525">
                   <a:solidFill>
                     <a:srgbClr val="000000"/>
                   </a:solidFill>
@@ -12114,7 +12114,7 @@
             </a:ln>
             <a:extLst>
               <a:ext uri="{91240B29-F687-4f45-9708-019B960494DF}">
-                <a14:hiddenLine xmlns="" xmlns:a14="http://schemas.microsoft.com/office/drawing/2010/main" w="9525">
+                <a14:hiddenLine xmlns:a14="http://schemas.microsoft.com/office/drawing/2010/main" xmlns="" w="9525">
                   <a:solidFill>
                     <a:srgbClr val="000000"/>
                   </a:solidFill>
@@ -12234,7 +12234,7 @@
             </a:ln>
             <a:extLst>
               <a:ext uri="{91240B29-F687-4f45-9708-019B960494DF}">
-                <a14:hiddenLine xmlns="" xmlns:a14="http://schemas.microsoft.com/office/drawing/2010/main" w="9525">
+                <a14:hiddenLine xmlns:a14="http://schemas.microsoft.com/office/drawing/2010/main" xmlns="" w="9525">
                   <a:solidFill>
                     <a:srgbClr val="000000"/>
                   </a:solidFill>
@@ -12302,7 +12302,7 @@
             </a:ln>
             <a:extLst>
               <a:ext uri="{91240B29-F687-4f45-9708-019B960494DF}">
-                <a14:hiddenLine xmlns="" xmlns:a14="http://schemas.microsoft.com/office/drawing/2010/main" w="9525">
+                <a14:hiddenLine xmlns:a14="http://schemas.microsoft.com/office/drawing/2010/main" xmlns="" w="9525">
                   <a:solidFill>
                     <a:srgbClr val="000000"/>
                   </a:solidFill>
@@ -12392,7 +12392,7 @@
             </a:ln>
             <a:extLst>
               <a:ext uri="{91240B29-F687-4f45-9708-019B960494DF}">
-                <a14:hiddenLine xmlns="" xmlns:a14="http://schemas.microsoft.com/office/drawing/2010/main" w="9525">
+                <a14:hiddenLine xmlns:a14="http://schemas.microsoft.com/office/drawing/2010/main" xmlns="" w="9525">
                   <a:solidFill>
                     <a:srgbClr val="000000"/>
                   </a:solidFill>
@@ -17245,7 +17245,7 @@
           <a:noFill/>
           <a:extLst>
             <a:ext uri="{909E8E84-426E-40dd-AFC4-6F175D3DCCD1}">
-              <a14:hiddenFill xmlns="" xmlns:a14="http://schemas.microsoft.com/office/drawing/2010/main">
+              <a14:hiddenFill xmlns:a14="http://schemas.microsoft.com/office/drawing/2010/main" xmlns="">
                 <a:solidFill>
                   <a:srgbClr val="FFFFFF"/>
                 </a:solidFill>
@@ -17319,7 +17319,7 @@
               </a:ln>
               <a:extLst>
                 <a:ext uri="{91240B29-F687-4f45-9708-019B960494DF}">
-                  <a14:hiddenLine xmlns="" xmlns:a14="http://schemas.microsoft.com/office/drawing/2010/main" w="9525">
+                  <a14:hiddenLine xmlns:a14="http://schemas.microsoft.com/office/drawing/2010/main" xmlns="" w="9525">
                     <a:solidFill>
                       <a:srgbClr val="000000"/>
                     </a:solidFill>
@@ -17409,7 +17409,7 @@
               </a:ln>
               <a:extLst>
                 <a:ext uri="{91240B29-F687-4f45-9708-019B960494DF}">
-                  <a14:hiddenLine xmlns="" xmlns:a14="http://schemas.microsoft.com/office/drawing/2010/main" w="9525">
+                  <a14:hiddenLine xmlns:a14="http://schemas.microsoft.com/office/drawing/2010/main" xmlns="" w="9525">
                     <a:solidFill>
                       <a:srgbClr val="000000"/>
                     </a:solidFill>
@@ -17499,7 +17499,7 @@
               </a:ln>
               <a:extLst>
                 <a:ext uri="{91240B29-F687-4f45-9708-019B960494DF}">
-                  <a14:hiddenLine xmlns="" xmlns:a14="http://schemas.microsoft.com/office/drawing/2010/main" w="9525">
+                  <a14:hiddenLine xmlns:a14="http://schemas.microsoft.com/office/drawing/2010/main" xmlns="" w="9525">
                     <a:solidFill>
                       <a:srgbClr val="000000"/>
                     </a:solidFill>
@@ -17561,7 +17561,7 @@
               </a:ln>
               <a:extLst>
                 <a:ext uri="{91240B29-F687-4f45-9708-019B960494DF}">
-                  <a14:hiddenLine xmlns="" xmlns:a14="http://schemas.microsoft.com/office/drawing/2010/main" w="9525">
+                  <a14:hiddenLine xmlns:a14="http://schemas.microsoft.com/office/drawing/2010/main" xmlns="" w="9525">
                     <a:solidFill>
                       <a:srgbClr val="000000"/>
                     </a:solidFill>
@@ -17651,7 +17651,7 @@
               </a:ln>
               <a:extLst>
                 <a:ext uri="{91240B29-F687-4f45-9708-019B960494DF}">
-                  <a14:hiddenLine xmlns="" xmlns:a14="http://schemas.microsoft.com/office/drawing/2010/main" w="9525">
+                  <a14:hiddenLine xmlns:a14="http://schemas.microsoft.com/office/drawing/2010/main" xmlns="" w="9525">
                     <a:solidFill>
                       <a:srgbClr val="000000"/>
                     </a:solidFill>
@@ -17713,7 +17713,7 @@
               </a:ln>
               <a:extLst>
                 <a:ext uri="{91240B29-F687-4f45-9708-019B960494DF}">
-                  <a14:hiddenLine xmlns="" xmlns:a14="http://schemas.microsoft.com/office/drawing/2010/main" w="9525">
+                  <a14:hiddenLine xmlns:a14="http://schemas.microsoft.com/office/drawing/2010/main" xmlns="" w="9525">
                     <a:solidFill>
                       <a:srgbClr val="000000"/>
                     </a:solidFill>
@@ -17775,7 +17775,7 @@
               </a:ln>
               <a:extLst>
                 <a:ext uri="{91240B29-F687-4f45-9708-019B960494DF}">
-                  <a14:hiddenLine xmlns="" xmlns:a14="http://schemas.microsoft.com/office/drawing/2010/main" w="9525">
+                  <a14:hiddenLine xmlns:a14="http://schemas.microsoft.com/office/drawing/2010/main" xmlns="" w="9525">
                     <a:solidFill>
                       <a:srgbClr val="000000"/>
                     </a:solidFill>
@@ -17865,7 +17865,7 @@
               </a:ln>
               <a:extLst>
                 <a:ext uri="{91240B29-F687-4f45-9708-019B960494DF}">
-                  <a14:hiddenLine xmlns="" xmlns:a14="http://schemas.microsoft.com/office/drawing/2010/main" w="9525">
+                  <a14:hiddenLine xmlns:a14="http://schemas.microsoft.com/office/drawing/2010/main" xmlns="" w="9525">
                     <a:solidFill>
                       <a:srgbClr val="000000"/>
                     </a:solidFill>
@@ -17955,7 +17955,7 @@
               </a:ln>
               <a:extLst>
                 <a:ext uri="{91240B29-F687-4f45-9708-019B960494DF}">
-                  <a14:hiddenLine xmlns="" xmlns:a14="http://schemas.microsoft.com/office/drawing/2010/main" w="9525">
+                  <a14:hiddenLine xmlns:a14="http://schemas.microsoft.com/office/drawing/2010/main" xmlns="" w="9525">
                     <a:solidFill>
                       <a:srgbClr val="000000"/>
                     </a:solidFill>
@@ -18017,7 +18017,7 @@
               </a:ln>
               <a:extLst>
                 <a:ext uri="{91240B29-F687-4f45-9708-019B960494DF}">
-                  <a14:hiddenLine xmlns="" xmlns:a14="http://schemas.microsoft.com/office/drawing/2010/main" w="9525">
+                  <a14:hiddenLine xmlns:a14="http://schemas.microsoft.com/office/drawing/2010/main" xmlns="" w="9525">
                     <a:solidFill>
                       <a:srgbClr val="000000"/>
                     </a:solidFill>
@@ -18127,7 +18127,7 @@
               </a:ln>
               <a:extLst>
                 <a:ext uri="{91240B29-F687-4f45-9708-019B960494DF}">
-                  <a14:hiddenLine xmlns="" xmlns:a14="http://schemas.microsoft.com/office/drawing/2010/main" w="9525">
+                  <a14:hiddenLine xmlns:a14="http://schemas.microsoft.com/office/drawing/2010/main" xmlns="" w="9525">
                     <a:solidFill>
                       <a:srgbClr val="000000"/>
                     </a:solidFill>
@@ -18211,7 +18211,7 @@
               </a:ln>
               <a:extLst>
                 <a:ext uri="{91240B29-F687-4f45-9708-019B960494DF}">
-                  <a14:hiddenLine xmlns="" xmlns:a14="http://schemas.microsoft.com/office/drawing/2010/main" w="9525">
+                  <a14:hiddenLine xmlns:a14="http://schemas.microsoft.com/office/drawing/2010/main" xmlns="" w="9525">
                     <a:solidFill>
                       <a:srgbClr val="000000"/>
                     </a:solidFill>
@@ -18273,7 +18273,7 @@
               </a:ln>
               <a:extLst>
                 <a:ext uri="{91240B29-F687-4f45-9708-019B960494DF}">
-                  <a14:hiddenLine xmlns="" xmlns:a14="http://schemas.microsoft.com/office/drawing/2010/main" w="9525">
+                  <a14:hiddenLine xmlns:a14="http://schemas.microsoft.com/office/drawing/2010/main" xmlns="" w="9525">
                     <a:solidFill>
                       <a:srgbClr val="000000"/>
                     </a:solidFill>
@@ -18335,7 +18335,7 @@
               </a:ln>
               <a:extLst>
                 <a:ext uri="{91240B29-F687-4f45-9708-019B960494DF}">
-                  <a14:hiddenLine xmlns="" xmlns:a14="http://schemas.microsoft.com/office/drawing/2010/main" w="9525">
+                  <a14:hiddenLine xmlns:a14="http://schemas.microsoft.com/office/drawing/2010/main" xmlns="" w="9525">
                     <a:solidFill>
                       <a:srgbClr val="000000"/>
                     </a:solidFill>
@@ -18425,7 +18425,7 @@
               </a:ln>
               <a:extLst>
                 <a:ext uri="{91240B29-F687-4f45-9708-019B960494DF}">
-                  <a14:hiddenLine xmlns="" xmlns:a14="http://schemas.microsoft.com/office/drawing/2010/main" w="9525">
+                  <a14:hiddenLine xmlns:a14="http://schemas.microsoft.com/office/drawing/2010/main" xmlns="" w="9525">
                     <a:solidFill>
                       <a:srgbClr val="000000"/>
                     </a:solidFill>
@@ -18459,7 +18459,7 @@
               </a:ln>
               <a:extLst>
                 <a:ext uri="{91240B29-F687-4f45-9708-019B960494DF}">
-                  <a14:hiddenLine xmlns="" xmlns:a14="http://schemas.microsoft.com/office/drawing/2010/main" w="9525">
+                  <a14:hiddenLine xmlns:a14="http://schemas.microsoft.com/office/drawing/2010/main" xmlns="" w="9525">
                     <a:solidFill>
                       <a:srgbClr val="000000"/>
                     </a:solidFill>
@@ -18524,7 +18524,7 @@
               </a:ln>
               <a:extLst>
                 <a:ext uri="{91240B29-F687-4f45-9708-019B960494DF}">
-                  <a14:hiddenLine xmlns="" xmlns:a14="http://schemas.microsoft.com/office/drawing/2010/main" w="9525">
+                  <a14:hiddenLine xmlns:a14="http://schemas.microsoft.com/office/drawing/2010/main" xmlns="" w="9525">
                     <a:solidFill>
                       <a:srgbClr val="000000"/>
                     </a:solidFill>
@@ -18614,7 +18614,7 @@
               </a:ln>
               <a:extLst>
                 <a:ext uri="{91240B29-F687-4f45-9708-019B960494DF}">
-                  <a14:hiddenLine xmlns="" xmlns:a14="http://schemas.microsoft.com/office/drawing/2010/main" w="9525">
+                  <a14:hiddenLine xmlns:a14="http://schemas.microsoft.com/office/drawing/2010/main" xmlns="" w="9525">
                     <a:solidFill>
                       <a:srgbClr val="000000"/>
                     </a:solidFill>
@@ -18676,7 +18676,7 @@
               </a:ln>
               <a:extLst>
                 <a:ext uri="{91240B29-F687-4f45-9708-019B960494DF}">
-                  <a14:hiddenLine xmlns="" xmlns:a14="http://schemas.microsoft.com/office/drawing/2010/main" w="9525">
+                  <a14:hiddenLine xmlns:a14="http://schemas.microsoft.com/office/drawing/2010/main" xmlns="" w="9525">
                     <a:solidFill>
                       <a:srgbClr val="000000"/>
                     </a:solidFill>
@@ -18766,7 +18766,7 @@
               </a:ln>
               <a:extLst>
                 <a:ext uri="{91240B29-F687-4f45-9708-019B960494DF}">
-                  <a14:hiddenLine xmlns="" xmlns:a14="http://schemas.microsoft.com/office/drawing/2010/main" w="9525">
+                  <a14:hiddenLine xmlns:a14="http://schemas.microsoft.com/office/drawing/2010/main" xmlns="" w="9525">
                     <a:solidFill>
                       <a:srgbClr val="000000"/>
                     </a:solidFill>
@@ -18831,7 +18831,7 @@
               </a:ln>
               <a:extLst>
                 <a:ext uri="{91240B29-F687-4f45-9708-019B960494DF}">
-                  <a14:hiddenLine xmlns="" xmlns:a14="http://schemas.microsoft.com/office/drawing/2010/main" w="9525">
+                  <a14:hiddenLine xmlns:a14="http://schemas.microsoft.com/office/drawing/2010/main" xmlns="" w="9525">
                     <a:solidFill>
                       <a:srgbClr val="000000"/>
                     </a:solidFill>
@@ -18893,7 +18893,7 @@
               </a:ln>
               <a:extLst>
                 <a:ext uri="{91240B29-F687-4f45-9708-019B960494DF}">
-                  <a14:hiddenLine xmlns="" xmlns:a14="http://schemas.microsoft.com/office/drawing/2010/main" w="9525">
+                  <a14:hiddenLine xmlns:a14="http://schemas.microsoft.com/office/drawing/2010/main" xmlns="" w="9525">
                     <a:solidFill>
                       <a:srgbClr val="000000"/>
                     </a:solidFill>
@@ -18983,7 +18983,7 @@
               </a:ln>
               <a:extLst>
                 <a:ext uri="{91240B29-F687-4f45-9708-019B960494DF}">
-                  <a14:hiddenLine xmlns="" xmlns:a14="http://schemas.microsoft.com/office/drawing/2010/main" w="9525">
+                  <a14:hiddenLine xmlns:a14="http://schemas.microsoft.com/office/drawing/2010/main" xmlns="" w="9525">
                     <a:solidFill>
                       <a:srgbClr val="000000"/>
                     </a:solidFill>
@@ -19073,7 +19073,7 @@
               </a:ln>
               <a:extLst>
                 <a:ext uri="{91240B29-F687-4f45-9708-019B960494DF}">
-                  <a14:hiddenLine xmlns="" xmlns:a14="http://schemas.microsoft.com/office/drawing/2010/main" w="9525">
+                  <a14:hiddenLine xmlns:a14="http://schemas.microsoft.com/office/drawing/2010/main" xmlns="" w="9525">
                     <a:solidFill>
                       <a:srgbClr val="000000"/>
                     </a:solidFill>
@@ -19138,7 +19138,7 @@
               </a:ln>
               <a:extLst>
                 <a:ext uri="{91240B29-F687-4f45-9708-019B960494DF}">
-                  <a14:hiddenLine xmlns="" xmlns:a14="http://schemas.microsoft.com/office/drawing/2010/main" w="9525">
+                  <a14:hiddenLine xmlns:a14="http://schemas.microsoft.com/office/drawing/2010/main" xmlns="" w="9525">
                     <a:solidFill>
                       <a:srgbClr val="000000"/>
                     </a:solidFill>
@@ -19258,7 +19258,7 @@
               </a:ln>
               <a:extLst>
                 <a:ext uri="{91240B29-F687-4f45-9708-019B960494DF}">
-                  <a14:hiddenLine xmlns="" xmlns:a14="http://schemas.microsoft.com/office/drawing/2010/main" w="9525">
+                  <a14:hiddenLine xmlns:a14="http://schemas.microsoft.com/office/drawing/2010/main" xmlns="" w="9525">
                     <a:solidFill>
                       <a:srgbClr val="000000"/>
                     </a:solidFill>
@@ -19339,7 +19339,7 @@
               </a:ln>
               <a:extLst>
                 <a:ext uri="{91240B29-F687-4f45-9708-019B960494DF}">
-                  <a14:hiddenLine xmlns="" xmlns:a14="http://schemas.microsoft.com/office/drawing/2010/main" w="9525">
+                  <a14:hiddenLine xmlns:a14="http://schemas.microsoft.com/office/drawing/2010/main" xmlns="" w="9525">
                     <a:solidFill>
                       <a:srgbClr val="000000"/>
                     </a:solidFill>
@@ -19454,7 +19454,7 @@
               </a:ln>
               <a:extLst>
                 <a:ext uri="{91240B29-F687-4f45-9708-019B960494DF}">
-                  <a14:hiddenLine xmlns="" xmlns:a14="http://schemas.microsoft.com/office/drawing/2010/main" w="9525">
+                  <a14:hiddenLine xmlns:a14="http://schemas.microsoft.com/office/drawing/2010/main" xmlns="" w="9525">
                     <a:solidFill>
                       <a:srgbClr val="000000"/>
                     </a:solidFill>
@@ -19544,7 +19544,7 @@
               </a:ln>
               <a:extLst>
                 <a:ext uri="{91240B29-F687-4f45-9708-019B960494DF}">
-                  <a14:hiddenLine xmlns="" xmlns:a14="http://schemas.microsoft.com/office/drawing/2010/main" w="9525">
+                  <a14:hiddenLine xmlns:a14="http://schemas.microsoft.com/office/drawing/2010/main" xmlns="" w="9525">
                     <a:solidFill>
                       <a:srgbClr val="000000"/>
                     </a:solidFill>
@@ -19609,7 +19609,7 @@
               </a:ln>
               <a:extLst>
                 <a:ext uri="{91240B29-F687-4f45-9708-019B960494DF}">
-                  <a14:hiddenLine xmlns="" xmlns:a14="http://schemas.microsoft.com/office/drawing/2010/main" w="9525">
+                  <a14:hiddenLine xmlns:a14="http://schemas.microsoft.com/office/drawing/2010/main" xmlns="" w="9525">
                     <a:solidFill>
                       <a:srgbClr val="000000"/>
                     </a:solidFill>
@@ -19699,7 +19699,7 @@
               </a:ln>
               <a:extLst>
                 <a:ext uri="{91240B29-F687-4f45-9708-019B960494DF}">
-                  <a14:hiddenLine xmlns="" xmlns:a14="http://schemas.microsoft.com/office/drawing/2010/main" w="9525">
+                  <a14:hiddenLine xmlns:a14="http://schemas.microsoft.com/office/drawing/2010/main" xmlns="" w="9525">
                     <a:solidFill>
                       <a:srgbClr val="000000"/>
                     </a:solidFill>
@@ -19767,7 +19767,7 @@
               </a:ln>
               <a:extLst>
                 <a:ext uri="{91240B29-F687-4f45-9708-019B960494DF}">
-                  <a14:hiddenLine xmlns="" xmlns:a14="http://schemas.microsoft.com/office/drawing/2010/main" w="9525">
+                  <a14:hiddenLine xmlns:a14="http://schemas.microsoft.com/office/drawing/2010/main" xmlns="" w="9525">
                     <a:solidFill>
                       <a:srgbClr val="000000"/>
                     </a:solidFill>
@@ -19857,7 +19857,7 @@
               </a:ln>
               <a:extLst>
                 <a:ext uri="{91240B29-F687-4f45-9708-019B960494DF}">
-                  <a14:hiddenLine xmlns="" xmlns:a14="http://schemas.microsoft.com/office/drawing/2010/main" w="9525">
+                  <a14:hiddenLine xmlns:a14="http://schemas.microsoft.com/office/drawing/2010/main" xmlns="" w="9525">
                     <a:solidFill>
                       <a:srgbClr val="000000"/>
                     </a:solidFill>
@@ -19925,7 +19925,7 @@
               </a:ln>
               <a:extLst>
                 <a:ext uri="{91240B29-F687-4f45-9708-019B960494DF}">
-                  <a14:hiddenLine xmlns="" xmlns:a14="http://schemas.microsoft.com/office/drawing/2010/main" w="9525">
+                  <a14:hiddenLine xmlns:a14="http://schemas.microsoft.com/office/drawing/2010/main" xmlns="" w="9525">
                     <a:solidFill>
                       <a:srgbClr val="000000"/>
                     </a:solidFill>
@@ -20015,7 +20015,7 @@
               </a:ln>
               <a:extLst>
                 <a:ext uri="{91240B29-F687-4f45-9708-019B960494DF}">
-                  <a14:hiddenLine xmlns="" xmlns:a14="http://schemas.microsoft.com/office/drawing/2010/main" w="9525">
+                  <a14:hiddenLine xmlns:a14="http://schemas.microsoft.com/office/drawing/2010/main" xmlns="" w="9525">
                     <a:solidFill>
                       <a:srgbClr val="000000"/>
                     </a:solidFill>
@@ -20049,7 +20049,7 @@
               </a:ln>
               <a:extLst>
                 <a:ext uri="{91240B29-F687-4f45-9708-019B960494DF}">
-                  <a14:hiddenLine xmlns="" xmlns:a14="http://schemas.microsoft.com/office/drawing/2010/main" w="9525">
+                  <a14:hiddenLine xmlns:a14="http://schemas.microsoft.com/office/drawing/2010/main" xmlns="" w="9525">
                     <a:solidFill>
                       <a:srgbClr val="000000"/>
                     </a:solidFill>
@@ -20796,28 +20796,10 @@
           </a:p>
           <a:p>
             <a:r>
-              <a:rPr lang="fr-FR" b="1" dirty="0"/>
+              <a:rPr lang="fr-FR" b="1"/>
               <a:t>Abanda WILFRIED</a:t>
             </a:r>
-          </a:p>
-          <a:p>
-            <a:r>
-              <a:rPr lang="fr-FR" b="1" dirty="0" err="1"/>
-              <a:t>Moukeki</a:t>
-            </a:r>
-            <a:r>
-              <a:rPr lang="fr-FR" b="1" dirty="0"/>
-              <a:t> </a:t>
-            </a:r>
-            <a:r>
-              <a:rPr lang="fr-FR" b="1" dirty="0" err="1"/>
-              <a:t>dave</a:t>
-            </a:r>
-            <a:endParaRPr lang="fr-FR" sz="2400" dirty="0">
-              <a:latin typeface="Tahoma" panose="020B0604030504040204" pitchFamily="34" charset="0"/>
-              <a:ea typeface="Tahoma" panose="020B0604030504040204" pitchFamily="34" charset="0"/>
-              <a:cs typeface="Tahoma" panose="020B0604030504040204" pitchFamily="34" charset="0"/>
-            </a:endParaRPr>
+            <a:endParaRPr lang="fr-FR" b="1" dirty="0"/>
           </a:p>
         </p:txBody>
       </p:sp>

--- a/documentations/ASR pour le Yemba.pptx
+++ b/documentations/ASR pour le Yemba.pptx
@@ -5,10 +5,10 @@
     <p:sldMasterId id="2147483669" r:id="rId1"/>
   </p:sldMasterIdLst>
   <p:notesMasterIdLst>
-    <p:notesMasterId r:id="rId15"/>
+    <p:notesMasterId r:id="rId17"/>
   </p:notesMasterIdLst>
   <p:handoutMasterIdLst>
-    <p:handoutMasterId r:id="rId16"/>
+    <p:handoutMasterId r:id="rId18"/>
   </p:handoutMasterIdLst>
   <p:sldIdLst>
     <p:sldId id="256" r:id="rId2"/>
@@ -19,11 +19,13 @@
     <p:sldId id="267" r:id="rId7"/>
     <p:sldId id="259" r:id="rId8"/>
     <p:sldId id="258" r:id="rId9"/>
-    <p:sldId id="268" r:id="rId10"/>
-    <p:sldId id="261" r:id="rId11"/>
-    <p:sldId id="262" r:id="rId12"/>
-    <p:sldId id="263" r:id="rId13"/>
-    <p:sldId id="269" r:id="rId14"/>
+    <p:sldId id="270" r:id="rId10"/>
+    <p:sldId id="271" r:id="rId11"/>
+    <p:sldId id="268" r:id="rId12"/>
+    <p:sldId id="261" r:id="rId13"/>
+    <p:sldId id="262" r:id="rId14"/>
+    <p:sldId id="263" r:id="rId15"/>
+    <p:sldId id="269" r:id="rId16"/>
   </p:sldIdLst>
   <p:sldSz cx="12192000" cy="6858000"/>
   <p:notesSz cx="6858000" cy="9144000"/>
@@ -8063,7 +8065,7 @@
           <a:p>
             <a:fld id="{C7E15328-2FD5-4AB1-B846-CCAE8EA09498}" type="slidenum">
               <a:rPr lang="fr-FR" smtClean="0"/>
-              <a:t>10</a:t>
+              <a:t>12</a:t>
             </a:fld>
             <a:endParaRPr lang="fr-FR"/>
           </a:p>
@@ -8147,7 +8149,7 @@
           <a:p>
             <a:fld id="{C7E15328-2FD5-4AB1-B846-CCAE8EA09498}" type="slidenum">
               <a:rPr lang="fr-FR" smtClean="0"/>
-              <a:t>11</a:t>
+              <a:t>13</a:t>
             </a:fld>
             <a:endParaRPr lang="fr-FR"/>
           </a:p>
@@ -8231,7 +8233,7 @@
           <a:p>
             <a:fld id="{C7E15328-2FD5-4AB1-B846-CCAE8EA09498}" type="slidenum">
               <a:rPr lang="fr-FR" smtClean="0"/>
-              <a:t>12</a:t>
+              <a:t>14</a:t>
             </a:fld>
             <a:endParaRPr lang="fr-FR"/>
           </a:p>
@@ -20796,10 +20798,9 @@
           </a:p>
           <a:p>
             <a:r>
-              <a:rPr lang="fr-FR" b="1"/>
+              <a:rPr lang="fr-FR" b="1" dirty="0"/>
               <a:t>Abanda WILFRIED</a:t>
             </a:r>
-            <a:endParaRPr lang="fr-FR" b="1" dirty="0"/>
           </a:p>
         </p:txBody>
       </p:sp>
@@ -20870,6 +20871,1179 @@
 </file>
 
 <file path=ppt/slides/slide10.xml><?xml version="1.0" encoding="utf-8"?>
+<p:sld xmlns:a="http://schemas.openxmlformats.org/drawingml/2006/main" xmlns:r="http://schemas.openxmlformats.org/officeDocument/2006/relationships" xmlns:p="http://schemas.openxmlformats.org/presentationml/2006/main">
+  <p:cSld>
+    <p:spTree>
+      <p:nvGrpSpPr>
+        <p:cNvPr id="1" name=""/>
+        <p:cNvGrpSpPr/>
+        <p:nvPr/>
+      </p:nvGrpSpPr>
+      <p:grpSpPr>
+        <a:xfrm>
+          <a:off x="0" y="0"/>
+          <a:ext cx="0" cy="0"/>
+          <a:chOff x="0" y="0"/>
+          <a:chExt cx="0" cy="0"/>
+        </a:xfrm>
+      </p:grpSpPr>
+      <p:sp>
+        <p:nvSpPr>
+          <p:cNvPr id="2" name="Titre 1">
+            <a:extLst>
+              <a:ext uri="{FF2B5EF4-FFF2-40B4-BE49-F238E27FC236}">
+                <a16:creationId xmlns:a16="http://schemas.microsoft.com/office/drawing/2014/main" id="{6FD90954-D816-144E-CDAF-C58FED746DD8}"/>
+              </a:ext>
+            </a:extLst>
+          </p:cNvPr>
+          <p:cNvSpPr>
+            <a:spLocks noGrp="1"/>
+          </p:cNvSpPr>
+          <p:nvPr>
+            <p:ph type="title"/>
+          </p:nvPr>
+        </p:nvSpPr>
+        <p:spPr>
+          <a:xfrm>
+            <a:off x="1052636" y="68102"/>
+            <a:ext cx="9905998" cy="1478570"/>
+          </a:xfrm>
+        </p:spPr>
+        <p:txBody>
+          <a:bodyPr>
+            <a:normAutofit/>
+          </a:bodyPr>
+          <a:lstStyle/>
+          <a:p>
+            <a:pPr algn="ctr"/>
+            <a:r>
+              <a:rPr lang="en-GB" sz="4400" b="1" u="sng" dirty="0" err="1">
+                <a:latin typeface="Palatino Linotype" panose="02040502050505030304" pitchFamily="18" charset="0"/>
+              </a:rPr>
+              <a:t>Pourquoi</a:t>
+            </a:r>
+            <a:r>
+              <a:rPr lang="en-GB" sz="4400" b="1" u="sng" dirty="0">
+                <a:latin typeface="Palatino Linotype" panose="02040502050505030304" pitchFamily="18" charset="0"/>
+              </a:rPr>
+              <a:t> un </a:t>
+            </a:r>
+            <a:r>
+              <a:rPr lang="en-GB" sz="4400" b="1" u="sng" dirty="0" err="1">
+                <a:latin typeface="Palatino Linotype" panose="02040502050505030304" pitchFamily="18" charset="0"/>
+              </a:rPr>
+              <a:t>GRU+attention</a:t>
+            </a:r>
+            <a:r>
+              <a:rPr lang="en-GB" sz="4400" b="1" u="sng" dirty="0">
+                <a:latin typeface="Palatino Linotype" panose="02040502050505030304" pitchFamily="18" charset="0"/>
+              </a:rPr>
+              <a:t> dans un Seq2seq?</a:t>
+            </a:r>
+            <a:endParaRPr lang="fr-FR" sz="4400" b="1" u="sng" dirty="0">
+              <a:latin typeface="Palatino Linotype" panose="02040502050505030304" pitchFamily="18" charset="0"/>
+            </a:endParaRPr>
+          </a:p>
+        </p:txBody>
+      </p:sp>
+      <p:sp>
+        <p:nvSpPr>
+          <p:cNvPr id="3" name="Espace réservé du contenu 2">
+            <a:extLst>
+              <a:ext uri="{FF2B5EF4-FFF2-40B4-BE49-F238E27FC236}">
+                <a16:creationId xmlns:a16="http://schemas.microsoft.com/office/drawing/2014/main" id="{699D2745-D9ED-1152-8575-3ED670EA6261}"/>
+              </a:ext>
+            </a:extLst>
+          </p:cNvPr>
+          <p:cNvSpPr>
+            <a:spLocks noGrp="1"/>
+          </p:cNvSpPr>
+          <p:nvPr>
+            <p:ph idx="1"/>
+          </p:nvPr>
+        </p:nvSpPr>
+        <p:spPr>
+          <a:xfrm>
+            <a:off x="328474" y="1672437"/>
+            <a:ext cx="11754035" cy="5083470"/>
+          </a:xfrm>
+        </p:spPr>
+        <p:txBody>
+          <a:bodyPr>
+            <a:normAutofit fontScale="70000" lnSpcReduction="20000"/>
+          </a:bodyPr>
+          <a:lstStyle/>
+          <a:p>
+            <a:r>
+              <a:rPr lang="en-GB" dirty="0">
+                <a:latin typeface="Times New Roman" panose="02020603050405020304" pitchFamily="18" charset="0"/>
+                <a:cs typeface="Times New Roman" panose="02020603050405020304" pitchFamily="18" charset="0"/>
+              </a:rPr>
+              <a:t>GRU </a:t>
+            </a:r>
+            <a:r>
+              <a:rPr lang="en-GB" dirty="0" err="1">
+                <a:latin typeface="Times New Roman" panose="02020603050405020304" pitchFamily="18" charset="0"/>
+                <a:cs typeface="Times New Roman" panose="02020603050405020304" pitchFamily="18" charset="0"/>
+              </a:rPr>
+              <a:t>est</a:t>
+            </a:r>
+            <a:r>
+              <a:rPr lang="en-GB" dirty="0">
+                <a:latin typeface="Times New Roman" panose="02020603050405020304" pitchFamily="18" charset="0"/>
+                <a:cs typeface="Times New Roman" panose="02020603050405020304" pitchFamily="18" charset="0"/>
+              </a:rPr>
+              <a:t> plus leger que LSTM </a:t>
+            </a:r>
+            <a:r>
+              <a:rPr lang="en-GB" dirty="0" err="1">
+                <a:latin typeface="Times New Roman" panose="02020603050405020304" pitchFamily="18" charset="0"/>
+                <a:cs typeface="Times New Roman" panose="02020603050405020304" pitchFamily="18" charset="0"/>
+              </a:rPr>
+              <a:t>donc</a:t>
+            </a:r>
+            <a:r>
+              <a:rPr lang="en-GB" dirty="0">
+                <a:latin typeface="Times New Roman" panose="02020603050405020304" pitchFamily="18" charset="0"/>
+                <a:cs typeface="Times New Roman" panose="02020603050405020304" pitchFamily="18" charset="0"/>
+              </a:rPr>
+              <a:t> </a:t>
+            </a:r>
+            <a:r>
+              <a:rPr lang="en-GB" dirty="0" err="1">
+                <a:latin typeface="Times New Roman" panose="02020603050405020304" pitchFamily="18" charset="0"/>
+                <a:cs typeface="Times New Roman" panose="02020603050405020304" pitchFamily="18" charset="0"/>
+              </a:rPr>
+              <a:t>moins</a:t>
+            </a:r>
+            <a:r>
+              <a:rPr lang="en-GB" dirty="0">
+                <a:latin typeface="Times New Roman" panose="02020603050405020304" pitchFamily="18" charset="0"/>
+                <a:cs typeface="Times New Roman" panose="02020603050405020304" pitchFamily="18" charset="0"/>
+              </a:rPr>
+              <a:t> de </a:t>
+            </a:r>
+            <a:r>
+              <a:rPr lang="en-GB" dirty="0" err="1">
+                <a:latin typeface="Times New Roman" panose="02020603050405020304" pitchFamily="18" charset="0"/>
+                <a:cs typeface="Times New Roman" panose="02020603050405020304" pitchFamily="18" charset="0"/>
+              </a:rPr>
+              <a:t>parametres</a:t>
+            </a:r>
+            <a:r>
+              <a:rPr lang="en-GB" dirty="0">
+                <a:latin typeface="Times New Roman" panose="02020603050405020304" pitchFamily="18" charset="0"/>
+                <a:cs typeface="Times New Roman" panose="02020603050405020304" pitchFamily="18" charset="0"/>
+              </a:rPr>
+              <a:t> </a:t>
+            </a:r>
+            <a:r>
+              <a:rPr lang="en-GB" dirty="0" err="1">
+                <a:latin typeface="Times New Roman" panose="02020603050405020304" pitchFamily="18" charset="0"/>
+                <a:cs typeface="Times New Roman" panose="02020603050405020304" pitchFamily="18" charset="0"/>
+              </a:rPr>
+              <a:t>ce</a:t>
+            </a:r>
+            <a:r>
+              <a:rPr lang="en-GB" dirty="0">
+                <a:latin typeface="Times New Roman" panose="02020603050405020304" pitchFamily="18" charset="0"/>
+                <a:cs typeface="Times New Roman" panose="02020603050405020304" pitchFamily="18" charset="0"/>
+              </a:rPr>
+              <a:t> qui </a:t>
+            </a:r>
+            <a:r>
+              <a:rPr lang="en-GB" dirty="0" err="1">
+                <a:latin typeface="Times New Roman" panose="02020603050405020304" pitchFamily="18" charset="0"/>
+                <a:cs typeface="Times New Roman" panose="02020603050405020304" pitchFamily="18" charset="0"/>
+              </a:rPr>
+              <a:t>est</a:t>
+            </a:r>
+            <a:r>
+              <a:rPr lang="en-GB" dirty="0">
+                <a:latin typeface="Times New Roman" panose="02020603050405020304" pitchFamily="18" charset="0"/>
+                <a:cs typeface="Times New Roman" panose="02020603050405020304" pitchFamily="18" charset="0"/>
+              </a:rPr>
+              <a:t> optimal pour </a:t>
+            </a:r>
+            <a:r>
+              <a:rPr lang="en-GB" dirty="0" err="1">
+                <a:latin typeface="Times New Roman" panose="02020603050405020304" pitchFamily="18" charset="0"/>
+                <a:cs typeface="Times New Roman" panose="02020603050405020304" pitchFamily="18" charset="0"/>
+              </a:rPr>
+              <a:t>notre</a:t>
+            </a:r>
+            <a:r>
+              <a:rPr lang="en-GB" dirty="0">
+                <a:latin typeface="Times New Roman" panose="02020603050405020304" pitchFamily="18" charset="0"/>
+                <a:cs typeface="Times New Roman" panose="02020603050405020304" pitchFamily="18" charset="0"/>
+              </a:rPr>
+              <a:t> tache</a:t>
+            </a:r>
+          </a:p>
+          <a:p>
+            <a:r>
+              <a:rPr lang="en-GB" dirty="0">
+                <a:latin typeface="Times New Roman" panose="02020603050405020304" pitchFamily="18" charset="0"/>
+                <a:cs typeface="Times New Roman" panose="02020603050405020304" pitchFamily="18" charset="0"/>
+              </a:rPr>
+              <a:t>GRU </a:t>
+            </a:r>
+            <a:r>
+              <a:rPr lang="en-GB" dirty="0" err="1">
+                <a:latin typeface="Times New Roman" panose="02020603050405020304" pitchFamily="18" charset="0"/>
+                <a:cs typeface="Times New Roman" panose="02020603050405020304" pitchFamily="18" charset="0"/>
+              </a:rPr>
+              <a:t>necissite</a:t>
+            </a:r>
+            <a:r>
+              <a:rPr lang="en-GB" dirty="0">
+                <a:latin typeface="Times New Roman" panose="02020603050405020304" pitchFamily="18" charset="0"/>
+                <a:cs typeface="Times New Roman" panose="02020603050405020304" pitchFamily="18" charset="0"/>
+              </a:rPr>
+              <a:t> </a:t>
+            </a:r>
+            <a:r>
+              <a:rPr lang="en-GB" dirty="0" err="1">
+                <a:latin typeface="Times New Roman" panose="02020603050405020304" pitchFamily="18" charset="0"/>
+                <a:cs typeface="Times New Roman" panose="02020603050405020304" pitchFamily="18" charset="0"/>
+              </a:rPr>
+              <a:t>moins</a:t>
+            </a:r>
+            <a:r>
+              <a:rPr lang="en-GB" dirty="0">
+                <a:latin typeface="Times New Roman" panose="02020603050405020304" pitchFamily="18" charset="0"/>
+                <a:cs typeface="Times New Roman" panose="02020603050405020304" pitchFamily="18" charset="0"/>
+              </a:rPr>
+              <a:t> de données que LSTM et nous </a:t>
+            </a:r>
+            <a:r>
+              <a:rPr lang="en-GB" dirty="0" err="1">
+                <a:latin typeface="Times New Roman" panose="02020603050405020304" pitchFamily="18" charset="0"/>
+                <a:cs typeface="Times New Roman" panose="02020603050405020304" pitchFamily="18" charset="0"/>
+              </a:rPr>
+              <a:t>n’avons</a:t>
+            </a:r>
+            <a:r>
+              <a:rPr lang="en-GB" dirty="0">
+                <a:latin typeface="Times New Roman" panose="02020603050405020304" pitchFamily="18" charset="0"/>
+                <a:cs typeface="Times New Roman" panose="02020603050405020304" pitchFamily="18" charset="0"/>
+              </a:rPr>
+              <a:t> que 340 images</a:t>
+            </a:r>
+          </a:p>
+          <a:p>
+            <a:r>
+              <a:rPr lang="en-GB" dirty="0">
+                <a:latin typeface="Times New Roman" panose="02020603050405020304" pitchFamily="18" charset="0"/>
+                <a:cs typeface="Times New Roman" panose="02020603050405020304" pitchFamily="18" charset="0"/>
+              </a:rPr>
+              <a:t>Capture bien les dependence long </a:t>
+            </a:r>
+            <a:r>
+              <a:rPr lang="en-GB" dirty="0" err="1">
+                <a:latin typeface="Times New Roman" panose="02020603050405020304" pitchFamily="18" charset="0"/>
+                <a:cs typeface="Times New Roman" panose="02020603050405020304" pitchFamily="18" charset="0"/>
+              </a:rPr>
+              <a:t>termes</a:t>
+            </a:r>
+            <a:r>
+              <a:rPr lang="en-GB" dirty="0">
+                <a:latin typeface="Times New Roman" panose="02020603050405020304" pitchFamily="18" charset="0"/>
+                <a:cs typeface="Times New Roman" panose="02020603050405020304" pitchFamily="18" charset="0"/>
+              </a:rPr>
+              <a:t> dans les sequences</a:t>
+            </a:r>
+          </a:p>
+          <a:p>
+            <a:r>
+              <a:rPr lang="en-GB" dirty="0" err="1">
+                <a:latin typeface="Times New Roman" panose="02020603050405020304" pitchFamily="18" charset="0"/>
+                <a:cs typeface="Times New Roman" panose="02020603050405020304" pitchFamily="18" charset="0"/>
+              </a:rPr>
+              <a:t>L’ajout</a:t>
+            </a:r>
+            <a:r>
+              <a:rPr lang="en-GB" dirty="0">
+                <a:latin typeface="Times New Roman" panose="02020603050405020304" pitchFamily="18" charset="0"/>
+                <a:cs typeface="Times New Roman" panose="02020603050405020304" pitchFamily="18" charset="0"/>
+              </a:rPr>
+              <a:t> de </a:t>
+            </a:r>
+            <a:r>
+              <a:rPr lang="en-GB" dirty="0" err="1">
+                <a:latin typeface="Times New Roman" panose="02020603050405020304" pitchFamily="18" charset="0"/>
+                <a:cs typeface="Times New Roman" panose="02020603050405020304" pitchFamily="18" charset="0"/>
+              </a:rPr>
+              <a:t>l’attention</a:t>
+            </a:r>
+            <a:r>
+              <a:rPr lang="en-GB" dirty="0">
+                <a:latin typeface="Times New Roman" panose="02020603050405020304" pitchFamily="18" charset="0"/>
+                <a:cs typeface="Times New Roman" panose="02020603050405020304" pitchFamily="18" charset="0"/>
+              </a:rPr>
+              <a:t> </a:t>
+            </a:r>
+            <a:r>
+              <a:rPr lang="en-GB" dirty="0" err="1">
+                <a:latin typeface="Times New Roman" panose="02020603050405020304" pitchFamily="18" charset="0"/>
+                <a:cs typeface="Times New Roman" panose="02020603050405020304" pitchFamily="18" charset="0"/>
+              </a:rPr>
+              <a:t>permet</a:t>
+            </a:r>
+            <a:r>
+              <a:rPr lang="en-GB" dirty="0">
+                <a:latin typeface="Times New Roman" panose="02020603050405020304" pitchFamily="18" charset="0"/>
+                <a:cs typeface="Times New Roman" panose="02020603050405020304" pitchFamily="18" charset="0"/>
+              </a:rPr>
+              <a:t> un </a:t>
+            </a:r>
+            <a:r>
+              <a:rPr lang="en-GB" dirty="0" err="1">
+                <a:latin typeface="Times New Roman" panose="02020603050405020304" pitchFamily="18" charset="0"/>
+                <a:cs typeface="Times New Roman" panose="02020603050405020304" pitchFamily="18" charset="0"/>
+              </a:rPr>
+              <a:t>alignement</a:t>
+            </a:r>
+            <a:r>
+              <a:rPr lang="en-GB" dirty="0">
+                <a:latin typeface="Times New Roman" panose="02020603050405020304" pitchFamily="18" charset="0"/>
+                <a:cs typeface="Times New Roman" panose="02020603050405020304" pitchFamily="18" charset="0"/>
+              </a:rPr>
+              <a:t> </a:t>
+            </a:r>
+            <a:r>
+              <a:rPr lang="en-GB" dirty="0" err="1">
+                <a:latin typeface="Times New Roman" panose="02020603050405020304" pitchFamily="18" charset="0"/>
+                <a:cs typeface="Times New Roman" panose="02020603050405020304" pitchFamily="18" charset="0"/>
+              </a:rPr>
+              <a:t>explicite</a:t>
+            </a:r>
+            <a:r>
+              <a:rPr lang="en-GB" dirty="0">
+                <a:latin typeface="Times New Roman" panose="02020603050405020304" pitchFamily="18" charset="0"/>
+                <a:cs typeface="Times New Roman" panose="02020603050405020304" pitchFamily="18" charset="0"/>
+              </a:rPr>
+              <a:t> entre les representations audio et les unites </a:t>
+            </a:r>
+            <a:r>
+              <a:rPr lang="en-GB" dirty="0" err="1">
+                <a:latin typeface="Times New Roman" panose="02020603050405020304" pitchFamily="18" charset="0"/>
+                <a:cs typeface="Times New Roman" panose="02020603050405020304" pitchFamily="18" charset="0"/>
+              </a:rPr>
+              <a:t>syllabiques</a:t>
+            </a:r>
+            <a:endParaRPr lang="en-GB" dirty="0">
+              <a:latin typeface="Times New Roman" panose="02020603050405020304" pitchFamily="18" charset="0"/>
+              <a:cs typeface="Times New Roman" panose="02020603050405020304" pitchFamily="18" charset="0"/>
+            </a:endParaRPr>
+          </a:p>
+          <a:p>
+            <a:r>
+              <a:rPr lang="en-GB" dirty="0" err="1">
+                <a:latin typeface="Times New Roman" panose="02020603050405020304" pitchFamily="18" charset="0"/>
+                <a:cs typeface="Times New Roman" panose="02020603050405020304" pitchFamily="18" charset="0"/>
+              </a:rPr>
+              <a:t>L’attention</a:t>
+            </a:r>
+            <a:r>
+              <a:rPr lang="en-GB" dirty="0">
+                <a:latin typeface="Times New Roman" panose="02020603050405020304" pitchFamily="18" charset="0"/>
+                <a:cs typeface="Times New Roman" panose="02020603050405020304" pitchFamily="18" charset="0"/>
+              </a:rPr>
+              <a:t> </a:t>
+            </a:r>
+            <a:r>
+              <a:rPr lang="en-GB" dirty="0" err="1">
+                <a:latin typeface="Times New Roman" panose="02020603050405020304" pitchFamily="18" charset="0"/>
+                <a:cs typeface="Times New Roman" panose="02020603050405020304" pitchFamily="18" charset="0"/>
+              </a:rPr>
+              <a:t>oriente</a:t>
+            </a:r>
+            <a:r>
+              <a:rPr lang="en-GB" dirty="0">
+                <a:latin typeface="Times New Roman" panose="02020603050405020304" pitchFamily="18" charset="0"/>
+                <a:cs typeface="Times New Roman" panose="02020603050405020304" pitchFamily="18" charset="0"/>
+              </a:rPr>
+              <a:t> le </a:t>
+            </a:r>
+            <a:r>
+              <a:rPr lang="en-GB" dirty="0" err="1">
+                <a:latin typeface="Times New Roman" panose="02020603050405020304" pitchFamily="18" charset="0"/>
+                <a:cs typeface="Times New Roman" panose="02020603050405020304" pitchFamily="18" charset="0"/>
+              </a:rPr>
+              <a:t>decodeur</a:t>
+            </a:r>
+            <a:r>
+              <a:rPr lang="en-GB" dirty="0">
+                <a:latin typeface="Times New Roman" panose="02020603050405020304" pitchFamily="18" charset="0"/>
+                <a:cs typeface="Times New Roman" panose="02020603050405020304" pitchFamily="18" charset="0"/>
+              </a:rPr>
+              <a:t> sur les segments </a:t>
+            </a:r>
+            <a:r>
+              <a:rPr lang="en-GB" dirty="0" err="1">
+                <a:latin typeface="Times New Roman" panose="02020603050405020304" pitchFamily="18" charset="0"/>
+                <a:cs typeface="Times New Roman" panose="02020603050405020304" pitchFamily="18" charset="0"/>
+              </a:rPr>
+              <a:t>acoustiques</a:t>
+            </a:r>
+            <a:r>
+              <a:rPr lang="en-GB" dirty="0">
+                <a:latin typeface="Times New Roman" panose="02020603050405020304" pitchFamily="18" charset="0"/>
+                <a:cs typeface="Times New Roman" panose="02020603050405020304" pitchFamily="18" charset="0"/>
+              </a:rPr>
+              <a:t> les plus important a </a:t>
+            </a:r>
+            <a:r>
+              <a:rPr lang="en-GB" dirty="0" err="1">
+                <a:latin typeface="Times New Roman" panose="02020603050405020304" pitchFamily="18" charset="0"/>
+                <a:cs typeface="Times New Roman" panose="02020603050405020304" pitchFamily="18" charset="0"/>
+              </a:rPr>
+              <a:t>l’instant</a:t>
+            </a:r>
+            <a:r>
+              <a:rPr lang="en-GB" dirty="0">
+                <a:latin typeface="Times New Roman" panose="02020603050405020304" pitchFamily="18" charset="0"/>
+                <a:cs typeface="Times New Roman" panose="02020603050405020304" pitchFamily="18" charset="0"/>
+              </a:rPr>
+              <a:t> t</a:t>
+            </a:r>
+          </a:p>
+          <a:p>
+            <a:r>
+              <a:rPr lang="en-GB" dirty="0">
+                <a:latin typeface="Times New Roman" panose="02020603050405020304" pitchFamily="18" charset="0"/>
+                <a:cs typeface="Times New Roman" panose="02020603050405020304" pitchFamily="18" charset="0"/>
+              </a:rPr>
+              <a:t>Seq2Seq </a:t>
+            </a:r>
+            <a:r>
+              <a:rPr lang="en-GB" dirty="0" err="1">
+                <a:latin typeface="Times New Roman" panose="02020603050405020304" pitchFamily="18" charset="0"/>
+                <a:cs typeface="Times New Roman" panose="02020603050405020304" pitchFamily="18" charset="0"/>
+              </a:rPr>
+              <a:t>permet</a:t>
+            </a:r>
+            <a:r>
+              <a:rPr lang="en-GB" dirty="0">
+                <a:latin typeface="Times New Roman" panose="02020603050405020304" pitchFamily="18" charset="0"/>
+                <a:cs typeface="Times New Roman" panose="02020603050405020304" pitchFamily="18" charset="0"/>
+              </a:rPr>
+              <a:t> de gerer les generations des sequences de sorties de taille </a:t>
+            </a:r>
+            <a:r>
+              <a:rPr lang="en-GB" dirty="0" err="1">
+                <a:latin typeface="Times New Roman" panose="02020603050405020304" pitchFamily="18" charset="0"/>
+                <a:cs typeface="Times New Roman" panose="02020603050405020304" pitchFamily="18" charset="0"/>
+              </a:rPr>
+              <a:t>differentes</a:t>
+            </a:r>
+            <a:r>
+              <a:rPr lang="en-GB" dirty="0">
+                <a:latin typeface="Times New Roman" panose="02020603050405020304" pitchFamily="18" charset="0"/>
+                <a:cs typeface="Times New Roman" panose="02020603050405020304" pitchFamily="18" charset="0"/>
+              </a:rPr>
+              <a:t> </a:t>
+            </a:r>
+            <a:r>
+              <a:rPr lang="en-GB" dirty="0" err="1">
+                <a:latin typeface="Times New Roman" panose="02020603050405020304" pitchFamily="18" charset="0"/>
+                <a:cs typeface="Times New Roman" panose="02020603050405020304" pitchFamily="18" charset="0"/>
+              </a:rPr>
+              <a:t>contrairement</a:t>
+            </a:r>
+            <a:r>
+              <a:rPr lang="en-GB" dirty="0">
+                <a:latin typeface="Times New Roman" panose="02020603050405020304" pitchFamily="18" charset="0"/>
+                <a:cs typeface="Times New Roman" panose="02020603050405020304" pitchFamily="18" charset="0"/>
+              </a:rPr>
+              <a:t> au modele CTC.</a:t>
+            </a:r>
+          </a:p>
+          <a:p>
+            <a:r>
+              <a:rPr lang="en-GB" dirty="0" err="1">
+                <a:latin typeface="Times New Roman" panose="02020603050405020304" pitchFamily="18" charset="0"/>
+                <a:cs typeface="Times New Roman" panose="02020603050405020304" pitchFamily="18" charset="0"/>
+              </a:rPr>
+              <a:t>GRU+Attention</a:t>
+            </a:r>
+            <a:r>
+              <a:rPr lang="en-GB" dirty="0">
+                <a:latin typeface="Times New Roman" panose="02020603050405020304" pitchFamily="18" charset="0"/>
+                <a:cs typeface="Times New Roman" panose="02020603050405020304" pitchFamily="18" charset="0"/>
+              </a:rPr>
+              <a:t> a </a:t>
+            </a:r>
+            <a:r>
+              <a:rPr lang="en-GB" dirty="0" err="1">
+                <a:latin typeface="Times New Roman" panose="02020603050405020304" pitchFamily="18" charset="0"/>
+                <a:cs typeface="Times New Roman" panose="02020603050405020304" pitchFamily="18" charset="0"/>
+              </a:rPr>
+              <a:t>montré</a:t>
+            </a:r>
+            <a:r>
+              <a:rPr lang="en-GB" dirty="0">
+                <a:latin typeface="Times New Roman" panose="02020603050405020304" pitchFamily="18" charset="0"/>
+                <a:cs typeface="Times New Roman" panose="02020603050405020304" pitchFamily="18" charset="0"/>
+              </a:rPr>
+              <a:t> de </a:t>
+            </a:r>
+            <a:r>
+              <a:rPr lang="en-GB" dirty="0" err="1">
+                <a:latin typeface="Times New Roman" panose="02020603050405020304" pitchFamily="18" charset="0"/>
+                <a:cs typeface="Times New Roman" panose="02020603050405020304" pitchFamily="18" charset="0"/>
+              </a:rPr>
+              <a:t>meilleurs</a:t>
+            </a:r>
+            <a:r>
+              <a:rPr lang="en-GB" dirty="0">
+                <a:latin typeface="Times New Roman" panose="02020603050405020304" pitchFamily="18" charset="0"/>
+                <a:cs typeface="Times New Roman" panose="02020603050405020304" pitchFamily="18" charset="0"/>
+              </a:rPr>
+              <a:t> </a:t>
+            </a:r>
+            <a:r>
+              <a:rPr lang="en-GB" dirty="0" err="1">
+                <a:latin typeface="Times New Roman" panose="02020603050405020304" pitchFamily="18" charset="0"/>
+                <a:cs typeface="Times New Roman" panose="02020603050405020304" pitchFamily="18" charset="0"/>
+              </a:rPr>
+              <a:t>resultats</a:t>
+            </a:r>
+            <a:r>
+              <a:rPr lang="en-GB" dirty="0">
+                <a:latin typeface="Times New Roman" panose="02020603050405020304" pitchFamily="18" charset="0"/>
+                <a:cs typeface="Times New Roman" panose="02020603050405020304" pitchFamily="18" charset="0"/>
+              </a:rPr>
+              <a:t> que la </a:t>
+            </a:r>
+            <a:r>
+              <a:rPr lang="en-GB" dirty="0" err="1">
+                <a:latin typeface="Times New Roman" panose="02020603050405020304" pitchFamily="18" charset="0"/>
+                <a:cs typeface="Times New Roman" panose="02020603050405020304" pitchFamily="18" charset="0"/>
+              </a:rPr>
+              <a:t>plupart</a:t>
+            </a:r>
+            <a:r>
+              <a:rPr lang="en-GB" dirty="0">
+                <a:latin typeface="Times New Roman" panose="02020603050405020304" pitchFamily="18" charset="0"/>
+                <a:cs typeface="Times New Roman" panose="02020603050405020304" pitchFamily="18" charset="0"/>
+              </a:rPr>
+              <a:t> des </a:t>
+            </a:r>
+            <a:r>
+              <a:rPr lang="en-GB" dirty="0" err="1">
+                <a:latin typeface="Times New Roman" panose="02020603050405020304" pitchFamily="18" charset="0"/>
+                <a:cs typeface="Times New Roman" panose="02020603050405020304" pitchFamily="18" charset="0"/>
+              </a:rPr>
+              <a:t>modeles</a:t>
+            </a:r>
+            <a:r>
+              <a:rPr lang="en-GB" dirty="0">
+                <a:latin typeface="Times New Roman" panose="02020603050405020304" pitchFamily="18" charset="0"/>
+                <a:cs typeface="Times New Roman" panose="02020603050405020304" pitchFamily="18" charset="0"/>
+              </a:rPr>
+              <a:t> que nous </a:t>
+            </a:r>
+            <a:r>
+              <a:rPr lang="en-GB" dirty="0" err="1">
+                <a:latin typeface="Times New Roman" panose="02020603050405020304" pitchFamily="18" charset="0"/>
+                <a:cs typeface="Times New Roman" panose="02020603050405020304" pitchFamily="18" charset="0"/>
+              </a:rPr>
+              <a:t>avons</a:t>
+            </a:r>
+            <a:r>
+              <a:rPr lang="en-GB" dirty="0">
+                <a:latin typeface="Times New Roman" panose="02020603050405020304" pitchFamily="18" charset="0"/>
+                <a:cs typeface="Times New Roman" panose="02020603050405020304" pitchFamily="18" charset="0"/>
+              </a:rPr>
+              <a:t> teste</a:t>
+            </a:r>
+          </a:p>
+          <a:p>
+            <a:pPr marL="0" indent="0">
+              <a:buNone/>
+            </a:pPr>
+            <a:r>
+              <a:rPr lang="en-GB" dirty="0">
+                <a:latin typeface="Times New Roman" panose="02020603050405020304" pitchFamily="18" charset="0"/>
+                <a:cs typeface="Times New Roman" panose="02020603050405020304" pitchFamily="18" charset="0"/>
+              </a:rPr>
+              <a:t>	- LSTM</a:t>
+            </a:r>
+          </a:p>
+          <a:p>
+            <a:pPr marL="0" indent="0">
+              <a:buNone/>
+            </a:pPr>
+            <a:r>
+              <a:rPr lang="en-GB" dirty="0">
+                <a:latin typeface="Times New Roman" panose="02020603050405020304" pitchFamily="18" charset="0"/>
+                <a:cs typeface="Times New Roman" panose="02020603050405020304" pitchFamily="18" charset="0"/>
+              </a:rPr>
+              <a:t>	- </a:t>
+            </a:r>
+            <a:r>
+              <a:rPr lang="en-GB" dirty="0" err="1">
+                <a:latin typeface="Times New Roman" panose="02020603050405020304" pitchFamily="18" charset="0"/>
+                <a:cs typeface="Times New Roman" panose="02020603050405020304" pitchFamily="18" charset="0"/>
+              </a:rPr>
+              <a:t>BiLSTM</a:t>
+            </a:r>
+            <a:endParaRPr lang="en-GB" dirty="0">
+              <a:latin typeface="Times New Roman" panose="02020603050405020304" pitchFamily="18" charset="0"/>
+              <a:cs typeface="Times New Roman" panose="02020603050405020304" pitchFamily="18" charset="0"/>
+            </a:endParaRPr>
+          </a:p>
+          <a:p>
+            <a:pPr marL="0" indent="0">
+              <a:buNone/>
+            </a:pPr>
+            <a:r>
+              <a:rPr lang="en-GB" dirty="0">
+                <a:latin typeface="Times New Roman" panose="02020603050405020304" pitchFamily="18" charset="0"/>
+                <a:cs typeface="Times New Roman" panose="02020603050405020304" pitchFamily="18" charset="0"/>
+              </a:rPr>
+              <a:t>	- </a:t>
+            </a:r>
+            <a:r>
+              <a:rPr lang="en-GB" dirty="0" err="1">
+                <a:latin typeface="Times New Roman" panose="02020603050405020304" pitchFamily="18" charset="0"/>
+                <a:cs typeface="Times New Roman" panose="02020603050405020304" pitchFamily="18" charset="0"/>
+              </a:rPr>
+              <a:t>CNN+BiLSTM</a:t>
+            </a:r>
+            <a:endParaRPr lang="en-GB" dirty="0">
+              <a:latin typeface="Times New Roman" panose="02020603050405020304" pitchFamily="18" charset="0"/>
+              <a:cs typeface="Times New Roman" panose="02020603050405020304" pitchFamily="18" charset="0"/>
+            </a:endParaRPr>
+          </a:p>
+          <a:p>
+            <a:pPr marL="0" indent="0">
+              <a:buNone/>
+            </a:pPr>
+            <a:r>
+              <a:rPr lang="en-GB" dirty="0">
+                <a:latin typeface="Times New Roman" panose="02020603050405020304" pitchFamily="18" charset="0"/>
+                <a:cs typeface="Times New Roman" panose="02020603050405020304" pitchFamily="18" charset="0"/>
+              </a:rPr>
+              <a:t>	- </a:t>
+            </a:r>
+            <a:r>
+              <a:rPr lang="en-GB" dirty="0" err="1">
+                <a:latin typeface="Times New Roman" panose="02020603050405020304" pitchFamily="18" charset="0"/>
+                <a:cs typeface="Times New Roman" panose="02020603050405020304" pitchFamily="18" charset="0"/>
+              </a:rPr>
+              <a:t>BiGRU</a:t>
+            </a:r>
+            <a:r>
+              <a:rPr lang="en-GB" dirty="0">
+                <a:latin typeface="Times New Roman" panose="02020603050405020304" pitchFamily="18" charset="0"/>
+                <a:cs typeface="Times New Roman" panose="02020603050405020304" pitchFamily="18" charset="0"/>
+              </a:rPr>
+              <a:t> </a:t>
+            </a:r>
+            <a:r>
+              <a:rPr lang="en-GB">
+                <a:latin typeface="Times New Roman" panose="02020603050405020304" pitchFamily="18" charset="0"/>
+                <a:cs typeface="Times New Roman" panose="02020603050405020304" pitchFamily="18" charset="0"/>
+              </a:rPr>
+              <a:t>sans Attention</a:t>
+            </a:r>
+            <a:endParaRPr lang="en-GB" dirty="0">
+              <a:latin typeface="Times New Roman" panose="02020603050405020304" pitchFamily="18" charset="0"/>
+              <a:cs typeface="Times New Roman" panose="02020603050405020304" pitchFamily="18" charset="0"/>
+            </a:endParaRPr>
+          </a:p>
+          <a:p>
+            <a:pPr marL="0" indent="0">
+              <a:buNone/>
+            </a:pPr>
+            <a:r>
+              <a:rPr lang="en-GB" dirty="0" err="1">
+                <a:latin typeface="Times New Roman" panose="02020603050405020304" pitchFamily="18" charset="0"/>
+                <a:cs typeface="Times New Roman" panose="02020603050405020304" pitchFamily="18" charset="0"/>
+              </a:rPr>
+              <a:t>D’autres</a:t>
+            </a:r>
+            <a:r>
+              <a:rPr lang="en-GB" dirty="0">
+                <a:latin typeface="Times New Roman" panose="02020603050405020304" pitchFamily="18" charset="0"/>
+                <a:cs typeface="Times New Roman" panose="02020603050405020304" pitchFamily="18" charset="0"/>
+              </a:rPr>
+              <a:t> architectures </a:t>
+            </a:r>
+            <a:r>
+              <a:rPr lang="en-GB" dirty="0" err="1">
+                <a:latin typeface="Times New Roman" panose="02020603050405020304" pitchFamily="18" charset="0"/>
+                <a:cs typeface="Times New Roman" panose="02020603050405020304" pitchFamily="18" charset="0"/>
+              </a:rPr>
+              <a:t>comme</a:t>
+            </a:r>
+            <a:r>
+              <a:rPr lang="en-GB" dirty="0">
+                <a:latin typeface="Times New Roman" panose="02020603050405020304" pitchFamily="18" charset="0"/>
+                <a:cs typeface="Times New Roman" panose="02020603050405020304" pitchFamily="18" charset="0"/>
+              </a:rPr>
+              <a:t> </a:t>
+            </a:r>
+            <a:r>
+              <a:rPr lang="en-GB" dirty="0" err="1">
+                <a:latin typeface="Times New Roman" panose="02020603050405020304" pitchFamily="18" charset="0"/>
+                <a:cs typeface="Times New Roman" panose="02020603050405020304" pitchFamily="18" charset="0"/>
+              </a:rPr>
+              <a:t>celles</a:t>
+            </a:r>
+            <a:r>
+              <a:rPr lang="en-GB" dirty="0">
+                <a:latin typeface="Times New Roman" panose="02020603050405020304" pitchFamily="18" charset="0"/>
+                <a:cs typeface="Times New Roman" panose="02020603050405020304" pitchFamily="18" charset="0"/>
+              </a:rPr>
+              <a:t> </a:t>
+            </a:r>
+            <a:r>
+              <a:rPr lang="en-GB" dirty="0" err="1">
+                <a:latin typeface="Times New Roman" panose="02020603050405020304" pitchFamily="18" charset="0"/>
+                <a:cs typeface="Times New Roman" panose="02020603050405020304" pitchFamily="18" charset="0"/>
+              </a:rPr>
+              <a:t>reposant</a:t>
+            </a:r>
+            <a:r>
+              <a:rPr lang="en-GB" dirty="0">
+                <a:latin typeface="Times New Roman" panose="02020603050405020304" pitchFamily="18" charset="0"/>
+                <a:cs typeface="Times New Roman" panose="02020603050405020304" pitchFamily="18" charset="0"/>
+              </a:rPr>
+              <a:t> sur les visions transformers </a:t>
+            </a:r>
+            <a:r>
+              <a:rPr lang="en-GB" dirty="0" err="1">
+                <a:latin typeface="Times New Roman" panose="02020603050405020304" pitchFamily="18" charset="0"/>
+                <a:cs typeface="Times New Roman" panose="02020603050405020304" pitchFamily="18" charset="0"/>
+              </a:rPr>
+              <a:t>n’ont</a:t>
+            </a:r>
+            <a:r>
+              <a:rPr lang="en-GB" dirty="0">
+                <a:latin typeface="Times New Roman" panose="02020603050405020304" pitchFamily="18" charset="0"/>
+                <a:cs typeface="Times New Roman" panose="02020603050405020304" pitchFamily="18" charset="0"/>
+              </a:rPr>
+              <a:t> pas </a:t>
+            </a:r>
+            <a:r>
+              <a:rPr lang="en-GB" dirty="0" err="1">
+                <a:latin typeface="Times New Roman" panose="02020603050405020304" pitchFamily="18" charset="0"/>
+                <a:cs typeface="Times New Roman" panose="02020603050405020304" pitchFamily="18" charset="0"/>
+              </a:rPr>
+              <a:t>été</a:t>
+            </a:r>
+            <a:r>
+              <a:rPr lang="en-GB" dirty="0">
+                <a:latin typeface="Times New Roman" panose="02020603050405020304" pitchFamily="18" charset="0"/>
+                <a:cs typeface="Times New Roman" panose="02020603050405020304" pitchFamily="18" charset="0"/>
+              </a:rPr>
+              <a:t> explore dans le cadre de </a:t>
+            </a:r>
+            <a:r>
+              <a:rPr lang="en-GB" dirty="0" err="1">
+                <a:latin typeface="Times New Roman" panose="02020603050405020304" pitchFamily="18" charset="0"/>
+                <a:cs typeface="Times New Roman" panose="02020603050405020304" pitchFamily="18" charset="0"/>
+              </a:rPr>
+              <a:t>ce</a:t>
+            </a:r>
+            <a:r>
+              <a:rPr lang="en-GB" dirty="0">
+                <a:latin typeface="Times New Roman" panose="02020603050405020304" pitchFamily="18" charset="0"/>
+                <a:cs typeface="Times New Roman" panose="02020603050405020304" pitchFamily="18" charset="0"/>
+              </a:rPr>
+              <a:t> </a:t>
+            </a:r>
+            <a:r>
+              <a:rPr lang="en-GB" dirty="0" err="1">
+                <a:latin typeface="Times New Roman" panose="02020603050405020304" pitchFamily="18" charset="0"/>
+                <a:cs typeface="Times New Roman" panose="02020603050405020304" pitchFamily="18" charset="0"/>
+              </a:rPr>
+              <a:t>projet</a:t>
+            </a:r>
+            <a:r>
+              <a:rPr lang="en-GB" dirty="0">
+                <a:latin typeface="Times New Roman" panose="02020603050405020304" pitchFamily="18" charset="0"/>
+                <a:cs typeface="Times New Roman" panose="02020603050405020304" pitchFamily="18" charset="0"/>
+              </a:rPr>
+              <a:t> </a:t>
+            </a:r>
+            <a:r>
+              <a:rPr lang="en-GB" dirty="0" err="1">
+                <a:latin typeface="Times New Roman" panose="02020603050405020304" pitchFamily="18" charset="0"/>
+                <a:cs typeface="Times New Roman" panose="02020603050405020304" pitchFamily="18" charset="0"/>
+              </a:rPr>
+              <a:t>mais</a:t>
+            </a:r>
+            <a:r>
+              <a:rPr lang="en-GB" dirty="0">
+                <a:latin typeface="Times New Roman" panose="02020603050405020304" pitchFamily="18" charset="0"/>
+                <a:cs typeface="Times New Roman" panose="02020603050405020304" pitchFamily="18" charset="0"/>
+              </a:rPr>
+              <a:t> </a:t>
+            </a:r>
+            <a:r>
+              <a:rPr lang="en-GB" dirty="0" err="1">
+                <a:latin typeface="Times New Roman" panose="02020603050405020304" pitchFamily="18" charset="0"/>
+                <a:cs typeface="Times New Roman" panose="02020603050405020304" pitchFamily="18" charset="0"/>
+              </a:rPr>
+              <a:t>peuvent</a:t>
+            </a:r>
+            <a:r>
+              <a:rPr lang="en-GB" dirty="0">
+                <a:latin typeface="Times New Roman" panose="02020603050405020304" pitchFamily="18" charset="0"/>
+                <a:cs typeface="Times New Roman" panose="02020603050405020304" pitchFamily="18" charset="0"/>
+              </a:rPr>
+              <a:t> </a:t>
+            </a:r>
+            <a:r>
+              <a:rPr lang="en-GB" dirty="0" err="1">
+                <a:latin typeface="Times New Roman" panose="02020603050405020304" pitchFamily="18" charset="0"/>
+                <a:cs typeface="Times New Roman" panose="02020603050405020304" pitchFamily="18" charset="0"/>
+              </a:rPr>
+              <a:t>fournir</a:t>
+            </a:r>
+            <a:r>
+              <a:rPr lang="en-GB" dirty="0">
+                <a:latin typeface="Times New Roman" panose="02020603050405020304" pitchFamily="18" charset="0"/>
+                <a:cs typeface="Times New Roman" panose="02020603050405020304" pitchFamily="18" charset="0"/>
+              </a:rPr>
+              <a:t> de </a:t>
+            </a:r>
+            <a:r>
+              <a:rPr lang="en-GB" dirty="0" err="1">
+                <a:latin typeface="Times New Roman" panose="02020603050405020304" pitchFamily="18" charset="0"/>
+                <a:cs typeface="Times New Roman" panose="02020603050405020304" pitchFamily="18" charset="0"/>
+              </a:rPr>
+              <a:t>tres</a:t>
+            </a:r>
+            <a:r>
+              <a:rPr lang="en-GB" dirty="0">
+                <a:latin typeface="Times New Roman" panose="02020603050405020304" pitchFamily="18" charset="0"/>
+                <a:cs typeface="Times New Roman" panose="02020603050405020304" pitchFamily="18" charset="0"/>
+              </a:rPr>
+              <a:t> bon </a:t>
+            </a:r>
+            <a:r>
+              <a:rPr lang="en-GB" dirty="0" err="1">
+                <a:latin typeface="Times New Roman" panose="02020603050405020304" pitchFamily="18" charset="0"/>
+                <a:cs typeface="Times New Roman" panose="02020603050405020304" pitchFamily="18" charset="0"/>
+              </a:rPr>
+              <a:t>résultats</a:t>
+            </a:r>
+            <a:r>
+              <a:rPr lang="en-GB" dirty="0">
+                <a:latin typeface="Times New Roman" panose="02020603050405020304" pitchFamily="18" charset="0"/>
+                <a:cs typeface="Times New Roman" panose="02020603050405020304" pitchFamily="18" charset="0"/>
+              </a:rPr>
+              <a:t>.</a:t>
+            </a:r>
+          </a:p>
+          <a:p>
+            <a:endParaRPr lang="en-GB" dirty="0">
+              <a:latin typeface="Times New Roman" panose="02020603050405020304" pitchFamily="18" charset="0"/>
+              <a:cs typeface="Times New Roman" panose="02020603050405020304" pitchFamily="18" charset="0"/>
+            </a:endParaRPr>
+          </a:p>
+          <a:p>
+            <a:endParaRPr lang="fr-FR" dirty="0">
+              <a:latin typeface="Times New Roman" panose="02020603050405020304" pitchFamily="18" charset="0"/>
+              <a:cs typeface="Times New Roman" panose="02020603050405020304" pitchFamily="18" charset="0"/>
+            </a:endParaRPr>
+          </a:p>
+        </p:txBody>
+      </p:sp>
+    </p:spTree>
+    <p:extLst>
+      <p:ext uri="{BB962C8B-B14F-4D97-AF65-F5344CB8AC3E}">
+        <p14:creationId xmlns:p14="http://schemas.microsoft.com/office/powerpoint/2010/main" val="1230572420"/>
+      </p:ext>
+    </p:extLst>
+  </p:cSld>
+  <p:clrMapOvr>
+    <a:masterClrMapping/>
+  </p:clrMapOvr>
+</p:sld>
+</file>
+
+<file path=ppt/slides/slide11.xml><?xml version="1.0" encoding="utf-8"?>
+<p:sld xmlns:a="http://schemas.openxmlformats.org/drawingml/2006/main" xmlns:r="http://schemas.openxmlformats.org/officeDocument/2006/relationships" xmlns:p="http://schemas.openxmlformats.org/presentationml/2006/main">
+  <p:cSld>
+    <p:spTree>
+      <p:nvGrpSpPr>
+        <p:cNvPr id="1" name=""/>
+        <p:cNvGrpSpPr/>
+        <p:nvPr/>
+      </p:nvGrpSpPr>
+      <p:grpSpPr>
+        <a:xfrm>
+          <a:off x="0" y="0"/>
+          <a:ext cx="0" cy="0"/>
+          <a:chOff x="0" y="0"/>
+          <a:chExt cx="0" cy="0"/>
+        </a:xfrm>
+      </p:grpSpPr>
+      <p:sp>
+        <p:nvSpPr>
+          <p:cNvPr id="2" name="Titre 1">
+            <a:extLst>
+              <a:ext uri="{FF2B5EF4-FFF2-40B4-BE49-F238E27FC236}">
+                <a16:creationId xmlns:a16="http://schemas.microsoft.com/office/drawing/2014/main" id="{8F3F3CA9-BF9D-B1C7-D15F-C5E83B67C41F}"/>
+              </a:ext>
+            </a:extLst>
+          </p:cNvPr>
+          <p:cNvSpPr>
+            <a:spLocks noGrp="1"/>
+          </p:cNvSpPr>
+          <p:nvPr>
+            <p:ph type="title"/>
+          </p:nvPr>
+        </p:nvSpPr>
+        <p:spPr>
+          <a:xfrm>
+            <a:off x="1094117" y="0"/>
+            <a:ext cx="9905998" cy="1103586"/>
+          </a:xfrm>
+        </p:spPr>
+        <p:txBody>
+          <a:bodyPr>
+            <a:normAutofit/>
+          </a:bodyPr>
+          <a:lstStyle/>
+          <a:p>
+            <a:pPr algn="ctr"/>
+            <a:r>
+              <a:rPr lang="en-GB" sz="4000" b="1" u="sng" dirty="0">
+                <a:latin typeface="Perpetua Titling MT" panose="02020502060505020804" pitchFamily="18" charset="0"/>
+              </a:rPr>
+              <a:t>Presentation du dataset</a:t>
+            </a:r>
+            <a:endParaRPr lang="fr-FR" sz="4000" b="1" u="sng" dirty="0">
+              <a:latin typeface="Perpetua Titling MT" panose="02020502060505020804" pitchFamily="18" charset="0"/>
+            </a:endParaRPr>
+          </a:p>
+        </p:txBody>
+      </p:sp>
+      <p:sp>
+        <p:nvSpPr>
+          <p:cNvPr id="3" name="Espace réservé du contenu 2">
+            <a:extLst>
+              <a:ext uri="{FF2B5EF4-FFF2-40B4-BE49-F238E27FC236}">
+                <a16:creationId xmlns:a16="http://schemas.microsoft.com/office/drawing/2014/main" id="{63EAA5AD-FF58-9E28-E6D6-9BCCD7148892}"/>
+              </a:ext>
+            </a:extLst>
+          </p:cNvPr>
+          <p:cNvSpPr>
+            <a:spLocks noGrp="1"/>
+          </p:cNvSpPr>
+          <p:nvPr>
+            <p:ph idx="1"/>
+          </p:nvPr>
+        </p:nvSpPr>
+        <p:spPr>
+          <a:xfrm>
+            <a:off x="778805" y="1240493"/>
+            <a:ext cx="10730023" cy="5128776"/>
+          </a:xfrm>
+        </p:spPr>
+        <p:txBody>
+          <a:bodyPr>
+            <a:normAutofit/>
+          </a:bodyPr>
+          <a:lstStyle/>
+          <a:p>
+            <a:r>
+              <a:rPr lang="fr-FR" dirty="0">
+                <a:latin typeface="Times New Roman" panose="02020603050405020304" pitchFamily="18" charset="0"/>
+                <a:cs typeface="Times New Roman" panose="02020603050405020304" pitchFamily="18" charset="0"/>
+              </a:rPr>
+              <a:t> Corpus : </a:t>
+            </a:r>
+            <a:r>
+              <a:rPr lang="fr-FR" dirty="0" err="1">
+                <a:latin typeface="Times New Roman" panose="02020603050405020304" pitchFamily="18" charset="0"/>
+                <a:cs typeface="Times New Roman" panose="02020603050405020304" pitchFamily="18" charset="0"/>
+              </a:rPr>
+              <a:t>YembaTones</a:t>
+            </a:r>
+            <a:r>
+              <a:rPr lang="fr-FR" dirty="0">
+                <a:latin typeface="Times New Roman" panose="02020603050405020304" pitchFamily="18" charset="0"/>
+                <a:cs typeface="Times New Roman" panose="02020603050405020304" pitchFamily="18" charset="0"/>
+              </a:rPr>
+              <a:t> quelques(344 </a:t>
+            </a:r>
+            <a:r>
+              <a:rPr lang="fr-FR" dirty="0" err="1">
+                <a:latin typeface="Times New Roman" panose="02020603050405020304" pitchFamily="18" charset="0"/>
+                <a:cs typeface="Times New Roman" panose="02020603050405020304" pitchFamily="18" charset="0"/>
+              </a:rPr>
+              <a:t>enoncés</a:t>
+            </a:r>
+            <a:r>
+              <a:rPr lang="fr-FR" dirty="0">
+                <a:latin typeface="Times New Roman" panose="02020603050405020304" pitchFamily="18" charset="0"/>
+                <a:cs typeface="Times New Roman" panose="02020603050405020304" pitchFamily="18" charset="0"/>
+              </a:rPr>
+              <a:t>) disponible en </a:t>
+            </a:r>
+            <a:r>
+              <a:rPr lang="fr-FR" dirty="0" err="1">
+                <a:latin typeface="Times New Roman" panose="02020603050405020304" pitchFamily="18" charset="0"/>
+                <a:cs typeface="Times New Roman" panose="02020603050405020304" pitchFamily="18" charset="0"/>
+              </a:rPr>
+              <a:t>telechargement</a:t>
+            </a:r>
+            <a:r>
+              <a:rPr lang="fr-FR" dirty="0">
+                <a:latin typeface="Times New Roman" panose="02020603050405020304" pitchFamily="18" charset="0"/>
+                <a:cs typeface="Times New Roman" panose="02020603050405020304" pitchFamily="18" charset="0"/>
+              </a:rPr>
+              <a:t> a l’adresse </a:t>
+            </a:r>
+            <a:r>
+              <a:rPr lang="fr-FR" dirty="0">
+                <a:latin typeface="Times New Roman" panose="02020603050405020304" pitchFamily="18" charset="0"/>
+                <a:cs typeface="Times New Roman" panose="02020603050405020304" pitchFamily="18" charset="0"/>
+                <a:hlinkClick r:id="rId2"/>
+              </a:rPr>
+              <a:t>https://data.mendeley.com/datasets/cx268tmrwn/3</a:t>
+            </a:r>
+            <a:r>
+              <a:rPr lang="fr-FR" dirty="0">
+                <a:latin typeface="Times New Roman" panose="02020603050405020304" pitchFamily="18" charset="0"/>
+                <a:cs typeface="Times New Roman" panose="02020603050405020304" pitchFamily="18" charset="0"/>
+              </a:rPr>
+              <a:t> </a:t>
+            </a:r>
+          </a:p>
+          <a:p>
+            <a:r>
+              <a:rPr lang="fr-FR" dirty="0">
+                <a:latin typeface="Times New Roman" panose="02020603050405020304" pitchFamily="18" charset="0"/>
+                <a:cs typeface="Times New Roman" panose="02020603050405020304" pitchFamily="18" charset="0"/>
+              </a:rPr>
+              <a:t>11 locuteurs natifs ont permis la création de ce </a:t>
+            </a:r>
+            <a:r>
+              <a:rPr lang="fr-FR" dirty="0" err="1">
+                <a:latin typeface="Times New Roman" panose="02020603050405020304" pitchFamily="18" charset="0"/>
+                <a:cs typeface="Times New Roman" panose="02020603050405020304" pitchFamily="18" charset="0"/>
+              </a:rPr>
+              <a:t>dataset</a:t>
+            </a:r>
+            <a:endParaRPr lang="fr-FR" dirty="0">
+              <a:latin typeface="Times New Roman" panose="02020603050405020304" pitchFamily="18" charset="0"/>
+              <a:cs typeface="Times New Roman" panose="02020603050405020304" pitchFamily="18" charset="0"/>
+            </a:endParaRPr>
+          </a:p>
+          <a:p>
+            <a:r>
+              <a:rPr lang="fr-FR" dirty="0">
+                <a:latin typeface="Times New Roman" panose="02020603050405020304" pitchFamily="18" charset="0"/>
+                <a:cs typeface="Times New Roman" panose="02020603050405020304" pitchFamily="18" charset="0"/>
+              </a:rPr>
+              <a:t>Organisation hiérarchique du corpus</a:t>
+            </a:r>
+          </a:p>
+          <a:p>
+            <a:pPr marL="0" indent="0">
+              <a:buNone/>
+            </a:pPr>
+            <a:r>
+              <a:rPr lang="fr-FR" dirty="0">
+                <a:latin typeface="Times New Roman" panose="02020603050405020304" pitchFamily="18" charset="0"/>
+                <a:cs typeface="Times New Roman" panose="02020603050405020304" pitchFamily="18" charset="0"/>
+              </a:rPr>
+              <a:t>	- audios/ contenant un sous dossier par locuteur</a:t>
+            </a:r>
+          </a:p>
+          <a:p>
+            <a:pPr marL="0" indent="0">
+              <a:buNone/>
+            </a:pPr>
+            <a:r>
+              <a:rPr lang="fr-FR" dirty="0">
+                <a:latin typeface="Times New Roman" panose="02020603050405020304" pitchFamily="18" charset="0"/>
+                <a:cs typeface="Times New Roman" panose="02020603050405020304" pitchFamily="18" charset="0"/>
+              </a:rPr>
+              <a:t>	- chaque locuteur dispose de plusieurs groupes</a:t>
+            </a:r>
+          </a:p>
+          <a:p>
+            <a:pPr marL="0" indent="0">
+              <a:buNone/>
+            </a:pPr>
+            <a:r>
+              <a:rPr lang="fr-FR" dirty="0">
+                <a:latin typeface="Times New Roman" panose="02020603050405020304" pitchFamily="18" charset="0"/>
+                <a:cs typeface="Times New Roman" panose="02020603050405020304" pitchFamily="18" charset="0"/>
+              </a:rPr>
+              <a:t>	- chaque groupe contient deux types de fichiers : fichiers .</a:t>
+            </a:r>
+            <a:r>
+              <a:rPr lang="fr-FR" dirty="0" err="1">
+                <a:latin typeface="Times New Roman" panose="02020603050405020304" pitchFamily="18" charset="0"/>
+                <a:cs typeface="Times New Roman" panose="02020603050405020304" pitchFamily="18" charset="0"/>
+              </a:rPr>
+              <a:t>wav</a:t>
+            </a:r>
+            <a:r>
+              <a:rPr lang="fr-FR" dirty="0">
+                <a:latin typeface="Times New Roman" panose="02020603050405020304" pitchFamily="18" charset="0"/>
+                <a:cs typeface="Times New Roman" panose="02020603050405020304" pitchFamily="18" charset="0"/>
+              </a:rPr>
+              <a:t> et .</a:t>
+            </a:r>
+            <a:r>
+              <a:rPr lang="fr-FR" dirty="0" err="1">
+                <a:latin typeface="Times New Roman" panose="02020603050405020304" pitchFamily="18" charset="0"/>
+                <a:cs typeface="Times New Roman" panose="02020603050405020304" pitchFamily="18" charset="0"/>
+              </a:rPr>
+              <a:t>TextGrid</a:t>
+            </a:r>
+            <a:endParaRPr lang="fr-FR" dirty="0">
+              <a:latin typeface="Times New Roman" panose="02020603050405020304" pitchFamily="18" charset="0"/>
+              <a:cs typeface="Times New Roman" panose="02020603050405020304" pitchFamily="18" charset="0"/>
+            </a:endParaRPr>
+          </a:p>
+          <a:p>
+            <a:r>
+              <a:rPr lang="fr-FR" dirty="0">
+                <a:latin typeface="Times New Roman" panose="02020603050405020304" pitchFamily="18" charset="0"/>
+                <a:cs typeface="Times New Roman" panose="02020603050405020304" pitchFamily="18" charset="0"/>
+              </a:rPr>
+              <a:t> Annotation : syllabique et tonale</a:t>
+            </a:r>
+          </a:p>
+          <a:p>
+            <a:r>
+              <a:rPr lang="fr-FR" dirty="0">
+                <a:latin typeface="Times New Roman" panose="02020603050405020304" pitchFamily="18" charset="0"/>
+                <a:cs typeface="Times New Roman" panose="02020603050405020304" pitchFamily="18" charset="0"/>
+              </a:rPr>
+              <a:t> Séparation : 80% entraînement, 10% validation, 10% test</a:t>
+            </a:r>
+          </a:p>
+        </p:txBody>
+      </p:sp>
+    </p:spTree>
+    <p:extLst>
+      <p:ext uri="{BB962C8B-B14F-4D97-AF65-F5344CB8AC3E}">
+        <p14:creationId xmlns:p14="http://schemas.microsoft.com/office/powerpoint/2010/main" val="2572654309"/>
+      </p:ext>
+    </p:extLst>
+  </p:cSld>
+  <p:clrMapOvr>
+    <a:masterClrMapping/>
+  </p:clrMapOvr>
+</p:sld>
+</file>
+
+<file path=ppt/slides/slide12.xml><?xml version="1.0" encoding="utf-8"?>
 <p:sld xmlns:a="http://schemas.openxmlformats.org/drawingml/2006/main" xmlns:r="http://schemas.openxmlformats.org/officeDocument/2006/relationships" xmlns:p="http://schemas.openxmlformats.org/presentationml/2006/main">
   <p:cSld>
     <p:spTree>
@@ -20995,7 +22169,7 @@
                 <a:latin typeface="Times New Roman" panose="02020603050405020304" pitchFamily="18" charset="0"/>
                 <a:cs typeface="Times New Roman" panose="02020603050405020304" pitchFamily="18" charset="0"/>
               </a:rPr>
-              <a:t> Data augmentation : bruit, time stretch, pitch shift</a:t>
+              <a:t> Data augmentation : bruit blanc, time stretch, pitch shift</a:t>
             </a:r>
           </a:p>
           <a:p>
@@ -21022,7 +22196,7 @@
 </p:sld>
 </file>
 
-<file path=ppt/slides/slide11.xml><?xml version="1.0" encoding="utf-8"?>
+<file path=ppt/slides/slide13.xml><?xml version="1.0" encoding="utf-8"?>
 <p:sld xmlns:a="http://schemas.openxmlformats.org/drawingml/2006/main" xmlns:r="http://schemas.openxmlformats.org/officeDocument/2006/relationships" xmlns:p="http://schemas.openxmlformats.org/presentationml/2006/main">
   <p:cSld>
     <p:spTree>
@@ -21311,7 +22485,7 @@
 </p:sld>
 </file>
 
-<file path=ppt/slides/slide12.xml><?xml version="1.0" encoding="utf-8"?>
+<file path=ppt/slides/slide14.xml><?xml version="1.0" encoding="utf-8"?>
 <p:sld xmlns:a="http://schemas.openxmlformats.org/drawingml/2006/main" xmlns:r="http://schemas.openxmlformats.org/officeDocument/2006/relationships" xmlns:p="http://schemas.openxmlformats.org/presentationml/2006/main">
   <p:cSld>
     <p:spTree>
@@ -21463,7 +22637,7 @@
                 <a:latin typeface="Times New Roman" panose="02020603050405020304" pitchFamily="18" charset="0"/>
                 <a:cs typeface="Times New Roman" panose="02020603050405020304" pitchFamily="18" charset="0"/>
               </a:rPr>
-              <a:t> global : 8,63</a:t>
+              <a:t> global : 8,63%</a:t>
             </a:r>
           </a:p>
           <a:p>
@@ -21528,7 +22702,7 @@
 </p:sld>
 </file>
 
-<file path=ppt/slides/slide13.xml><?xml version="1.0" encoding="utf-8"?>
+<file path=ppt/slides/slide15.xml><?xml version="1.0" encoding="utf-8"?>
 <p:sld xmlns:a="http://schemas.openxmlformats.org/drawingml/2006/main" xmlns:r="http://schemas.openxmlformats.org/officeDocument/2006/relationships" xmlns:p="http://schemas.openxmlformats.org/presentationml/2006/main">
   <p:cSld>
     <p:spTree>
@@ -22114,7 +23288,7 @@
         </p:spPr>
         <p:txBody>
           <a:bodyPr>
-            <a:normAutofit fontScale="85000" lnSpcReduction="20000"/>
+            <a:normAutofit fontScale="77500" lnSpcReduction="20000"/>
           </a:bodyPr>
           <a:lstStyle/>
           <a:p>
@@ -22170,7 +23344,15 @@
               <a:rPr lang="fr-FR" dirty="0">
                 <a:latin typeface="Palatino Linotype" panose="02040502050505030304" pitchFamily="18" charset="0"/>
               </a:rPr>
-              <a:t>7. Présentation du </a:t>
+              <a:t>7. Justification du model</a:t>
+            </a:r>
+          </a:p>
+          <a:p>
+            <a:r>
+              <a:rPr lang="fr-FR" dirty="0">
+                <a:latin typeface="Palatino Linotype" panose="02040502050505030304" pitchFamily="18" charset="0"/>
+              </a:rPr>
+              <a:t>8. Présentation du </a:t>
             </a:r>
             <a:r>
               <a:rPr lang="fr-FR" dirty="0" err="1">
@@ -22187,7 +23369,7 @@
               <a:rPr lang="fr-FR" dirty="0">
                 <a:latin typeface="Palatino Linotype" panose="02040502050505030304" pitchFamily="18" charset="0"/>
               </a:rPr>
-              <a:t>8. Prétraitement</a:t>
+              <a:t>9. Prétraitement</a:t>
             </a:r>
           </a:p>
           <a:p>
@@ -22195,7 +23377,7 @@
               <a:rPr lang="fr-FR" dirty="0">
                 <a:latin typeface="Palatino Linotype" panose="02040502050505030304" pitchFamily="18" charset="0"/>
               </a:rPr>
-              <a:t>9. Entraînement du modèle</a:t>
+              <a:t>10. Entraînement du modèle</a:t>
             </a:r>
           </a:p>
           <a:p>
@@ -22203,7 +23385,7 @@
               <a:rPr lang="fr-FR" dirty="0">
                 <a:latin typeface="Palatino Linotype" panose="02040502050505030304" pitchFamily="18" charset="0"/>
               </a:rPr>
-              <a:t>10. Évaluation, Résultats et Déploiement</a:t>
+              <a:t>11. Évaluation, Résultats et Déploiement</a:t>
             </a:r>
           </a:p>
           <a:p>
@@ -22211,7 +23393,7 @@
               <a:rPr lang="fr-FR" dirty="0">
                 <a:latin typeface="Palatino Linotype" panose="02040502050505030304" pitchFamily="18" charset="0"/>
               </a:rPr>
-              <a:t>11. Conclusion et Perspectives</a:t>
+              <a:t>12. Conclusion et Perspectives</a:t>
             </a:r>
           </a:p>
           <a:p>
@@ -22219,17 +23401,8 @@
               <a:rPr lang="fr-FR" dirty="0">
                 <a:latin typeface="Palatino Linotype" panose="02040502050505030304" pitchFamily="18" charset="0"/>
               </a:rPr>
-              <a:t>12. </a:t>
-            </a:r>
-            <a:r>
-              <a:rPr lang="fr-FR" dirty="0" err="1">
-                <a:latin typeface="Palatino Linotype" panose="02040502050505030304" pitchFamily="18" charset="0"/>
-              </a:rPr>
-              <a:t>References</a:t>
-            </a:r>
-            <a:endParaRPr lang="fr-FR" dirty="0">
-              <a:latin typeface="Palatino Linotype" panose="02040502050505030304" pitchFamily="18" charset="0"/>
-            </a:endParaRPr>
+              <a:t>13. Références</a:t>
+            </a:r>
           </a:p>
           <a:p>
             <a:endParaRPr lang="fr-FR" dirty="0">
@@ -23476,7 +24649,7 @@
           <p:cNvPr id="2" name="Titre 1">
             <a:extLst>
               <a:ext uri="{FF2B5EF4-FFF2-40B4-BE49-F238E27FC236}">
-                <a16:creationId xmlns:a16="http://schemas.microsoft.com/office/drawing/2014/main" id="{8F3F3CA9-BF9D-B1C7-D15F-C5E83B67C41F}"/>
+                <a16:creationId xmlns:a16="http://schemas.microsoft.com/office/drawing/2014/main" id="{7EA7587C-831A-07F4-26C8-ED00743EE134}"/>
               </a:ext>
             </a:extLst>
           </p:cNvPr>
@@ -23489,32 +24662,23 @@
         </p:nvSpPr>
         <p:spPr>
           <a:xfrm>
-            <a:off x="1094117" y="0"/>
-            <a:ext cx="9905998" cy="1103586"/>
+            <a:off x="1123656" y="62144"/>
+            <a:ext cx="10568233" cy="1478570"/>
           </a:xfrm>
         </p:spPr>
         <p:txBody>
           <a:bodyPr>
-            <a:normAutofit/>
+            <a:normAutofit fontScale="90000"/>
           </a:bodyPr>
           <a:lstStyle/>
           <a:p>
-            <a:pPr algn="ctr"/>
-            <a:r>
-              <a:rPr lang="en-GB" sz="4000" b="1" u="sng" dirty="0" err="1">
+            <a:r>
+              <a:rPr lang="fr-FR" sz="5400" b="1" u="sng" dirty="0">
                 <a:latin typeface="Perpetua Titling MT" panose="02020502060505020804" pitchFamily="18" charset="0"/>
               </a:rPr>
-              <a:t>Présentation</a:t>
-            </a:r>
-            <a:r>
-              <a:rPr lang="en-GB" sz="4000" b="1" u="sng" dirty="0">
-                <a:latin typeface="Perpetua Titling MT" panose="02020502060505020804" pitchFamily="18" charset="0"/>
-              </a:rPr>
-              <a:t> du dataset</a:t>
-            </a:r>
-            <a:endParaRPr lang="fr-FR" sz="4000" b="1" u="sng" dirty="0">
-              <a:latin typeface="Perpetua Titling MT" panose="02020502060505020804" pitchFamily="18" charset="0"/>
-            </a:endParaRPr>
+              <a:t>Architecture du modèle</a:t>
+            </a:r>
+            <a:endParaRPr lang="fr-FR" sz="5400" dirty="0"/>
           </a:p>
         </p:txBody>
       </p:sp>
@@ -23523,7 +24687,7 @@
           <p:cNvPr id="3" name="Espace réservé du contenu 2">
             <a:extLst>
               <a:ext uri="{FF2B5EF4-FFF2-40B4-BE49-F238E27FC236}">
-                <a16:creationId xmlns:a16="http://schemas.microsoft.com/office/drawing/2014/main" id="{63EAA5AD-FF58-9E28-E6D6-9BCCD7148892}"/>
+                <a16:creationId xmlns:a16="http://schemas.microsoft.com/office/drawing/2014/main" id="{45623443-90C3-9CD8-7D36-85F61E7D8D12}"/>
               </a:ext>
             </a:extLst>
           </p:cNvPr>
@@ -23536,8 +24700,8 @@
         </p:nvSpPr>
         <p:spPr>
           <a:xfrm>
-            <a:off x="778805" y="1240493"/>
-            <a:ext cx="10730023" cy="5128776"/>
+            <a:off x="502220" y="1343965"/>
+            <a:ext cx="10994363" cy="5127856"/>
           </a:xfrm>
         </p:spPr>
         <p:txBody>
@@ -23551,80 +24715,89 @@
                 <a:latin typeface="Times New Roman" panose="02020603050405020304" pitchFamily="18" charset="0"/>
                 <a:cs typeface="Times New Roman" panose="02020603050405020304" pitchFamily="18" charset="0"/>
               </a:rPr>
-              <a:t> Corpus : </a:t>
+              <a:t>Encodeur : GRU bidirectionnel</a:t>
+            </a:r>
+          </a:p>
+          <a:p>
+            <a:pPr marL="0" indent="0">
+              <a:buNone/>
+            </a:pPr>
+            <a:r>
+              <a:rPr lang="fr-FR" dirty="0">
+                <a:latin typeface="Times New Roman" panose="02020603050405020304" pitchFamily="18" charset="0"/>
+                <a:cs typeface="Times New Roman" panose="02020603050405020304" pitchFamily="18" charset="0"/>
+              </a:rPr>
+              <a:t>	- Entrée: </a:t>
             </a:r>
             <a:r>
               <a:rPr lang="fr-FR" dirty="0" err="1">
                 <a:latin typeface="Times New Roman" panose="02020603050405020304" pitchFamily="18" charset="0"/>
                 <a:cs typeface="Times New Roman" panose="02020603050405020304" pitchFamily="18" charset="0"/>
               </a:rPr>
-              <a:t>YembaTones</a:t>
+              <a:t>Melspectrogrammes</a:t>
             </a:r>
             <a:r>
               <a:rPr lang="fr-FR" dirty="0">
                 <a:latin typeface="Times New Roman" panose="02020603050405020304" pitchFamily="18" charset="0"/>
                 <a:cs typeface="Times New Roman" panose="02020603050405020304" pitchFamily="18" charset="0"/>
               </a:rPr>
-              <a:t> quelques(344 </a:t>
+              <a:t> ( </a:t>
             </a:r>
             <a:r>
               <a:rPr lang="fr-FR" dirty="0" err="1">
                 <a:latin typeface="Times New Roman" panose="02020603050405020304" pitchFamily="18" charset="0"/>
                 <a:cs typeface="Times New Roman" panose="02020603050405020304" pitchFamily="18" charset="0"/>
               </a:rPr>
-              <a:t>enoncés</a:t>
+              <a:t>dim</a:t>
             </a:r>
             <a:r>
               <a:rPr lang="fr-FR" dirty="0">
                 <a:latin typeface="Times New Roman" panose="02020603050405020304" pitchFamily="18" charset="0"/>
                 <a:cs typeface="Times New Roman" panose="02020603050405020304" pitchFamily="18" charset="0"/>
               </a:rPr>
-              <a:t>) disponible en </a:t>
+              <a:t> [T, F])</a:t>
+            </a:r>
+          </a:p>
+          <a:p>
+            <a:pPr marL="0" indent="0">
+              <a:buNone/>
+            </a:pPr>
+            <a:r>
+              <a:rPr lang="fr-FR" dirty="0">
+                <a:latin typeface="Times New Roman" panose="02020603050405020304" pitchFamily="18" charset="0"/>
+                <a:cs typeface="Times New Roman" panose="02020603050405020304" pitchFamily="18" charset="0"/>
+              </a:rPr>
+              <a:t>	- Sortie: Représentation encodée ( </a:t>
             </a:r>
             <a:r>
               <a:rPr lang="fr-FR" dirty="0" err="1">
                 <a:latin typeface="Times New Roman" panose="02020603050405020304" pitchFamily="18" charset="0"/>
                 <a:cs typeface="Times New Roman" panose="02020603050405020304" pitchFamily="18" charset="0"/>
               </a:rPr>
-              <a:t>telechargement</a:t>
+              <a:t>dim</a:t>
             </a:r>
             <a:r>
               <a:rPr lang="fr-FR" dirty="0">
                 <a:latin typeface="Times New Roman" panose="02020603050405020304" pitchFamily="18" charset="0"/>
                 <a:cs typeface="Times New Roman" panose="02020603050405020304" pitchFamily="18" charset="0"/>
               </a:rPr>
-              <a:t> a l’adresse </a:t>
-            </a:r>
+              <a:t> [B, T, 2H])</a:t>
+            </a:r>
+          </a:p>
+          <a:p>
             <a:r>
               <a:rPr lang="fr-FR" dirty="0">
                 <a:latin typeface="Times New Roman" panose="02020603050405020304" pitchFamily="18" charset="0"/>
                 <a:cs typeface="Times New Roman" panose="02020603050405020304" pitchFamily="18" charset="0"/>
-                <a:hlinkClick r:id="rId2"/>
-              </a:rPr>
-              <a:t>https://data.mendeley.com/datasets/cx268tmrwn/3</a:t>
-            </a:r>
-            <a:r>
-              <a:rPr lang="fr-FR" dirty="0">
-                <a:latin typeface="Times New Roman" panose="02020603050405020304" pitchFamily="18" charset="0"/>
-                <a:cs typeface="Times New Roman" panose="02020603050405020304" pitchFamily="18" charset="0"/>
-              </a:rPr>
-              <a:t> </a:t>
-            </a:r>
-          </a:p>
-          <a:p>
-            <a:r>
-              <a:rPr lang="fr-FR" dirty="0">
-                <a:latin typeface="Times New Roman" panose="02020603050405020304" pitchFamily="18" charset="0"/>
-                <a:cs typeface="Times New Roman" panose="02020603050405020304" pitchFamily="18" charset="0"/>
-              </a:rPr>
-              <a:t>11 locuteurs natifs ont permis la création de ce </a:t>
+              </a:rPr>
+              <a:t>Attention : additive de </a:t>
             </a:r>
             <a:r>
               <a:rPr lang="fr-FR" dirty="0" err="1">
                 <a:latin typeface="Times New Roman" panose="02020603050405020304" pitchFamily="18" charset="0"/>
                 <a:cs typeface="Times New Roman" panose="02020603050405020304" pitchFamily="18" charset="0"/>
               </a:rPr>
-              <a:t>dataset</a:t>
+              <a:t>Bahdanau</a:t>
             </a:r>
             <a:endParaRPr lang="fr-FR" dirty="0">
               <a:latin typeface="Times New Roman" panose="02020603050405020304" pitchFamily="18" charset="0"/>
@@ -23632,12 +24805,29 @@
             </a:endParaRPr>
           </a:p>
           <a:p>
+            <a:pPr marL="0" indent="0">
+              <a:buNone/>
+            </a:pPr>
             <a:r>
               <a:rPr lang="fr-FR" dirty="0">
                 <a:latin typeface="Times New Roman" panose="02020603050405020304" pitchFamily="18" charset="0"/>
                 <a:cs typeface="Times New Roman" panose="02020603050405020304" pitchFamily="18" charset="0"/>
               </a:rPr>
-              <a:t>Organisation hiérarchique du corpus</a:t>
+              <a:t>	- Entrée: Représentation encodée ( </a:t>
+            </a:r>
+            <a:r>
+              <a:rPr lang="fr-FR" dirty="0" err="1">
+                <a:latin typeface="Times New Roman" panose="02020603050405020304" pitchFamily="18" charset="0"/>
+                <a:cs typeface="Times New Roman" panose="02020603050405020304" pitchFamily="18" charset="0"/>
+              </a:rPr>
+              <a:t>dim</a:t>
+            </a:r>
+            <a:r>
+              <a:rPr lang="fr-FR" dirty="0">
+                <a:latin typeface="Times New Roman" panose="02020603050405020304" pitchFamily="18" charset="0"/>
+                <a:cs typeface="Times New Roman" panose="02020603050405020304" pitchFamily="18" charset="0"/>
+              </a:rPr>
+              <a:t> [B, T, 2H])</a:t>
             </a:r>
           </a:p>
           <a:p>
@@ -23649,82 +24839,79 @@
                 <a:latin typeface="Times New Roman" panose="02020603050405020304" pitchFamily="18" charset="0"/>
                 <a:cs typeface="Times New Roman" panose="02020603050405020304" pitchFamily="18" charset="0"/>
               </a:rPr>
-              <a:t>	- audios/ contenant un sous dossier par locuteur</a:t>
-            </a:r>
-          </a:p>
-          <a:p>
-            <a:pPr marL="0" indent="0">
-              <a:buNone/>
-            </a:pPr>
+              <a:t>	- Sortie: Vecteur de contexte (</a:t>
+            </a:r>
+            <a:r>
+              <a:rPr lang="fr-FR" dirty="0" err="1">
+                <a:latin typeface="Times New Roman" panose="02020603050405020304" pitchFamily="18" charset="0"/>
+                <a:cs typeface="Times New Roman" panose="02020603050405020304" pitchFamily="18" charset="0"/>
+              </a:rPr>
+              <a:t>dim</a:t>
+            </a:r>
             <a:r>
               <a:rPr lang="fr-FR" dirty="0">
                 <a:latin typeface="Times New Roman" panose="02020603050405020304" pitchFamily="18" charset="0"/>
                 <a:cs typeface="Times New Roman" panose="02020603050405020304" pitchFamily="18" charset="0"/>
               </a:rPr>
-              <a:t>	- chaque locuteur dispose de plusieurs groupes</a:t>
-            </a:r>
-          </a:p>
-          <a:p>
-            <a:pPr marL="0" indent="0">
-              <a:buNone/>
-            </a:pPr>
+              <a:t> [B, 2H])</a:t>
+            </a:r>
+          </a:p>
+          <a:p>
             <a:r>
               <a:rPr lang="fr-FR" dirty="0">
                 <a:latin typeface="Times New Roman" panose="02020603050405020304" pitchFamily="18" charset="0"/>
                 <a:cs typeface="Times New Roman" panose="02020603050405020304" pitchFamily="18" charset="0"/>
               </a:rPr>
-              <a:t>	- chaque groupe contient deux types de fichiers : fichiers .</a:t>
+              <a:t>Décodeur : GRU unidirectionnel</a:t>
+            </a:r>
+          </a:p>
+          <a:p>
+            <a:pPr marL="457200" lvl="1" indent="0">
+              <a:buNone/>
+            </a:pPr>
+            <a:r>
+              <a:rPr lang="fr-FR" dirty="0">
+                <a:latin typeface="Times New Roman" panose="02020603050405020304" pitchFamily="18" charset="0"/>
+                <a:cs typeface="Times New Roman" panose="02020603050405020304" pitchFamily="18" charset="0"/>
+              </a:rPr>
+              <a:t>	-Entrée: Vecteur de contexte (</a:t>
             </a:r>
             <a:r>
               <a:rPr lang="fr-FR" dirty="0" err="1">
                 <a:latin typeface="Times New Roman" panose="02020603050405020304" pitchFamily="18" charset="0"/>
                 <a:cs typeface="Times New Roman" panose="02020603050405020304" pitchFamily="18" charset="0"/>
               </a:rPr>
-              <a:t>wav</a:t>
+              <a:t>dim</a:t>
             </a:r>
             <a:r>
               <a:rPr lang="fr-FR" dirty="0">
                 <a:latin typeface="Times New Roman" panose="02020603050405020304" pitchFamily="18" charset="0"/>
                 <a:cs typeface="Times New Roman" panose="02020603050405020304" pitchFamily="18" charset="0"/>
               </a:rPr>
-              <a:t> et .</a:t>
-            </a:r>
-            <a:r>
-              <a:rPr lang="fr-FR" dirty="0" err="1">
-                <a:latin typeface="Times New Roman" panose="02020603050405020304" pitchFamily="18" charset="0"/>
-                <a:cs typeface="Times New Roman" panose="02020603050405020304" pitchFamily="18" charset="0"/>
-              </a:rPr>
-              <a:t>TextGrid</a:t>
-            </a:r>
-            <a:endParaRPr lang="fr-FR" dirty="0">
-              <a:latin typeface="Times New Roman" panose="02020603050405020304" pitchFamily="18" charset="0"/>
-              <a:cs typeface="Times New Roman" panose="02020603050405020304" pitchFamily="18" charset="0"/>
-            </a:endParaRPr>
-          </a:p>
-          <a:p>
+              <a:t> [B, 2H])</a:t>
+            </a:r>
+          </a:p>
+          <a:p>
+            <a:pPr marL="457200" lvl="1" indent="0">
+              <a:buNone/>
+            </a:pPr>
             <a:r>
               <a:rPr lang="fr-FR" dirty="0">
                 <a:latin typeface="Times New Roman" panose="02020603050405020304" pitchFamily="18" charset="0"/>
                 <a:cs typeface="Times New Roman" panose="02020603050405020304" pitchFamily="18" charset="0"/>
               </a:rPr>
-              <a:t> Annotation : syllabique et tonale</a:t>
-            </a:r>
-          </a:p>
-          <a:p>
-            <a:r>
-              <a:rPr lang="fr-FR" dirty="0">
-                <a:latin typeface="Times New Roman" panose="02020603050405020304" pitchFamily="18" charset="0"/>
-                <a:cs typeface="Times New Roman" panose="02020603050405020304" pitchFamily="18" charset="0"/>
-              </a:rPr>
-              <a:t> Séparation : 80% entraînement, 10% validation, 10% test</a:t>
-            </a:r>
+              <a:t>	- Sortie: Séquence de caractère prédite.</a:t>
+            </a:r>
+          </a:p>
+          <a:p>
+            <a:endParaRPr lang="fr-FR" dirty="0"/>
           </a:p>
         </p:txBody>
       </p:sp>
     </p:spTree>
     <p:extLst>
       <p:ext uri="{BB962C8B-B14F-4D97-AF65-F5344CB8AC3E}">
-        <p14:creationId xmlns:p14="http://schemas.microsoft.com/office/powerpoint/2010/main" val="2572654309"/>
+        <p14:creationId xmlns:p14="http://schemas.microsoft.com/office/powerpoint/2010/main" val="129869106"/>
       </p:ext>
     </p:extLst>
   </p:cSld>
